--- a/lesson20.pptx
+++ b/lesson20.pptx
@@ -145,6 +145,43 @@
 </p:presentation>
 </file>
 
+<file path=ppt/changesInfos/changesInfo1.xml><?xml version="1.0" encoding="utf-8"?>
+<pc:chgInfo xmlns:a="http://schemas.openxmlformats.org/drawingml/2006/main" xmlns:r="http://schemas.openxmlformats.org/officeDocument/2006/relationships" xmlns:ac="http://schemas.microsoft.com/office/drawing/2013/main/command" xmlns:pc="http://schemas.microsoft.com/office/powerpoint/2013/main/command">
+  <pc:docChgLst>
+    <pc:chgData name="Anatoliy Kigel" userId="7432c6c4687b0a9c" providerId="LiveId" clId="{7F41A1FE-77AF-48F3-B34F-1D67F019DE17}"/>
+    <pc:docChg chg="modSld">
+      <pc:chgData name="Anatoliy Kigel" userId="7432c6c4687b0a9c" providerId="LiveId" clId="{7F41A1FE-77AF-48F3-B34F-1D67F019DE17}" dt="2021-11-16T11:59:38.796" v="15" actId="1036"/>
+      <pc:docMkLst>
+        <pc:docMk/>
+      </pc:docMkLst>
+      <pc:sldChg chg="modSp mod">
+        <pc:chgData name="Anatoliy Kigel" userId="7432c6c4687b0a9c" providerId="LiveId" clId="{7F41A1FE-77AF-48F3-B34F-1D67F019DE17}" dt="2021-11-16T11:59:38.796" v="15" actId="1036"/>
+        <pc:sldMkLst>
+          <pc:docMk/>
+          <pc:sldMk cId="0" sldId="305"/>
+        </pc:sldMkLst>
+        <pc:spChg chg="mod">
+          <ac:chgData name="Anatoliy Kigel" userId="7432c6c4687b0a9c" providerId="LiveId" clId="{7F41A1FE-77AF-48F3-B34F-1D67F019DE17}" dt="2021-11-16T11:59:38.796" v="15" actId="1036"/>
+          <ac:spMkLst>
+            <pc:docMk/>
+            <pc:sldMk cId="0" sldId="305"/>
+            <ac:spMk id="7" creationId="{00000000-0000-0000-0000-000000000000}"/>
+          </ac:spMkLst>
+        </pc:spChg>
+        <pc:spChg chg="mod">
+          <ac:chgData name="Anatoliy Kigel" userId="7432c6c4687b0a9c" providerId="LiveId" clId="{7F41A1FE-77AF-48F3-B34F-1D67F019DE17}" dt="2021-11-16T11:59:34.675" v="14" actId="20577"/>
+          <ac:spMkLst>
+            <pc:docMk/>
+            <pc:sldMk cId="0" sldId="305"/>
+            <ac:spMk id="10" creationId="{00000000-0000-0000-0000-000000000000}"/>
+          </ac:spMkLst>
+        </pc:spChg>
+      </pc:sldChg>
+    </pc:docChg>
+  </pc:docChgLst>
+</pc:chgInfo>
+</file>
+
 <file path=ppt/notesMasters/notesMaster1.xml><?xml version="1.0" encoding="utf-8"?>
 <p:notesMaster xmlns:a="http://schemas.openxmlformats.org/drawingml/2006/main" xmlns:r="http://schemas.openxmlformats.org/officeDocument/2006/relationships" xmlns:p="http://schemas.openxmlformats.org/presentationml/2006/main">
   <p:cSld>
@@ -228,7 +265,7 @@
             <a:fld id="{85522811-C5C6-42D2-A409-F8556720C93F}" type="datetimeFigureOut">
               <a:rPr lang="uk-UA" smtClean="0"/>
               <a:pPr/>
-              <a:t>13.11.2020</a:t>
+              <a:t>16.11.2021</a:t>
             </a:fld>
             <a:endParaRPr lang="uk-UA"/>
           </a:p>
@@ -294,35 +331,35 @@
           <a:p>
             <a:pPr lvl="0"/>
             <a:r>
-              <a:rPr lang="ru-RU" smtClean="0"/>
+              <a:rPr lang="ru-RU"/>
               <a:t>Образец текста</a:t>
             </a:r>
           </a:p>
           <a:p>
             <a:pPr lvl="1"/>
             <a:r>
-              <a:rPr lang="ru-RU" smtClean="0"/>
+              <a:rPr lang="ru-RU"/>
               <a:t>Второй уровень</a:t>
             </a:r>
           </a:p>
           <a:p>
             <a:pPr lvl="2"/>
             <a:r>
-              <a:rPr lang="ru-RU" smtClean="0"/>
+              <a:rPr lang="ru-RU"/>
               <a:t>Третий уровень</a:t>
             </a:r>
           </a:p>
           <a:p>
             <a:pPr lvl="3"/>
             <a:r>
-              <a:rPr lang="ru-RU" smtClean="0"/>
+              <a:rPr lang="ru-RU"/>
               <a:t>Четвертый уровень</a:t>
             </a:r>
           </a:p>
           <a:p>
             <a:pPr lvl="4"/>
             <a:r>
-              <a:rPr lang="ru-RU" smtClean="0"/>
+              <a:rPr lang="ru-RU"/>
               <a:t>Пятый уровень</a:t>
             </a:r>
             <a:endParaRPr lang="uk-UA"/>
@@ -390,7 +427,7 @@
             <a:fld id="{B2668688-711B-4328-ACFB-54B46FA90133}" type="slidenum">
               <a:rPr lang="uk-UA" smtClean="0"/>
               <a:pPr/>
-              <a:t>‹#›</a:t>
+              <a:t>‹№›</a:t>
             </a:fld>
             <a:endParaRPr lang="uk-UA"/>
           </a:p>
@@ -629,7 +666,7 @@
           <a:lstStyle/>
           <a:p>
             <a:r>
-              <a:rPr lang="ru-RU" smtClean="0"/>
+              <a:rPr lang="ru-RU"/>
               <a:t>Образец заголовка</a:t>
             </a:r>
             <a:endParaRPr lang="uk-UA"/>
@@ -748,7 +785,7 @@
           </a:lstStyle>
           <a:p>
             <a:r>
-              <a:rPr lang="ru-RU" smtClean="0"/>
+              <a:rPr lang="ru-RU"/>
               <a:t>Образец подзаголовка</a:t>
             </a:r>
             <a:endParaRPr lang="uk-UA"/>
@@ -773,7 +810,7 @@
             <a:fld id="{0A2E6AC4-C3FE-4E70-88D1-136405B25267}" type="datetime1">
               <a:rPr lang="uk-UA" smtClean="0"/>
               <a:pPr/>
-              <a:t>13.11.2020</a:t>
+              <a:t>16.11.2021</a:t>
             </a:fld>
             <a:endParaRPr lang="uk-UA"/>
           </a:p>
@@ -816,7 +853,7 @@
             <a:fld id="{6389AA22-90B4-448C-8B6B-C699140D38B9}" type="slidenum">
               <a:rPr lang="uk-UA" smtClean="0"/>
               <a:pPr/>
-              <a:t>‹#›</a:t>
+              <a:t>‹№›</a:t>
             </a:fld>
             <a:endParaRPr lang="uk-UA"/>
           </a:p>
@@ -863,7 +900,7 @@
           <a:lstStyle/>
           <a:p>
             <a:r>
-              <a:rPr lang="ru-RU" smtClean="0"/>
+              <a:rPr lang="ru-RU"/>
               <a:t>Образец заголовка</a:t>
             </a:r>
             <a:endParaRPr lang="uk-UA"/>
@@ -887,35 +924,35 @@
           <a:p>
             <a:pPr lvl="0"/>
             <a:r>
-              <a:rPr lang="ru-RU" smtClean="0"/>
+              <a:rPr lang="ru-RU"/>
               <a:t>Образец текста</a:t>
             </a:r>
           </a:p>
           <a:p>
             <a:pPr lvl="1"/>
             <a:r>
-              <a:rPr lang="ru-RU" smtClean="0"/>
+              <a:rPr lang="ru-RU"/>
               <a:t>Второй уровень</a:t>
             </a:r>
           </a:p>
           <a:p>
             <a:pPr lvl="2"/>
             <a:r>
-              <a:rPr lang="ru-RU" smtClean="0"/>
+              <a:rPr lang="ru-RU"/>
               <a:t>Третий уровень</a:t>
             </a:r>
           </a:p>
           <a:p>
             <a:pPr lvl="3"/>
             <a:r>
-              <a:rPr lang="ru-RU" smtClean="0"/>
+              <a:rPr lang="ru-RU"/>
               <a:t>Четвертый уровень</a:t>
             </a:r>
           </a:p>
           <a:p>
             <a:pPr lvl="4"/>
             <a:r>
-              <a:rPr lang="ru-RU" smtClean="0"/>
+              <a:rPr lang="ru-RU"/>
               <a:t>Пятый уровень</a:t>
             </a:r>
             <a:endParaRPr lang="uk-UA"/>
@@ -940,7 +977,7 @@
             <a:fld id="{B4D85949-5AE9-41F1-B18C-DA1006B0E8CC}" type="datetime1">
               <a:rPr lang="uk-UA" smtClean="0"/>
               <a:pPr/>
-              <a:t>13.11.2020</a:t>
+              <a:t>16.11.2021</a:t>
             </a:fld>
             <a:endParaRPr lang="uk-UA"/>
           </a:p>
@@ -983,7 +1020,7 @@
             <a:fld id="{6389AA22-90B4-448C-8B6B-C699140D38B9}" type="slidenum">
               <a:rPr lang="uk-UA" smtClean="0"/>
               <a:pPr/>
-              <a:t>‹#›</a:t>
+              <a:t>‹№›</a:t>
             </a:fld>
             <a:endParaRPr lang="uk-UA"/>
           </a:p>
@@ -1035,7 +1072,7 @@
           <a:lstStyle/>
           <a:p>
             <a:r>
-              <a:rPr lang="ru-RU" smtClean="0"/>
+              <a:rPr lang="ru-RU"/>
               <a:t>Образец заголовка</a:t>
             </a:r>
             <a:endParaRPr lang="uk-UA"/>
@@ -1064,35 +1101,35 @@
           <a:p>
             <a:pPr lvl="0"/>
             <a:r>
-              <a:rPr lang="ru-RU" smtClean="0"/>
+              <a:rPr lang="ru-RU"/>
               <a:t>Образец текста</a:t>
             </a:r>
           </a:p>
           <a:p>
             <a:pPr lvl="1"/>
             <a:r>
-              <a:rPr lang="ru-RU" smtClean="0"/>
+              <a:rPr lang="ru-RU"/>
               <a:t>Второй уровень</a:t>
             </a:r>
           </a:p>
           <a:p>
             <a:pPr lvl="2"/>
             <a:r>
-              <a:rPr lang="ru-RU" smtClean="0"/>
+              <a:rPr lang="ru-RU"/>
               <a:t>Третий уровень</a:t>
             </a:r>
           </a:p>
           <a:p>
             <a:pPr lvl="3"/>
             <a:r>
-              <a:rPr lang="ru-RU" smtClean="0"/>
+              <a:rPr lang="ru-RU"/>
               <a:t>Четвертый уровень</a:t>
             </a:r>
           </a:p>
           <a:p>
             <a:pPr lvl="4"/>
             <a:r>
-              <a:rPr lang="ru-RU" smtClean="0"/>
+              <a:rPr lang="ru-RU"/>
               <a:t>Пятый уровень</a:t>
             </a:r>
             <a:endParaRPr lang="uk-UA"/>
@@ -1117,7 +1154,7 @@
             <a:fld id="{B20C227C-94C5-4BA1-A89C-1C7570144B22}" type="datetime1">
               <a:rPr lang="uk-UA" smtClean="0"/>
               <a:pPr/>
-              <a:t>13.11.2020</a:t>
+              <a:t>16.11.2021</a:t>
             </a:fld>
             <a:endParaRPr lang="uk-UA"/>
           </a:p>
@@ -1160,7 +1197,7 @@
             <a:fld id="{6389AA22-90B4-448C-8B6B-C699140D38B9}" type="slidenum">
               <a:rPr lang="uk-UA" smtClean="0"/>
               <a:pPr/>
-              <a:t>‹#›</a:t>
+              <a:t>‹№›</a:t>
             </a:fld>
             <a:endParaRPr lang="uk-UA"/>
           </a:p>
@@ -1207,7 +1244,7 @@
           <a:lstStyle/>
           <a:p>
             <a:r>
-              <a:rPr lang="ru-RU" smtClean="0"/>
+              <a:rPr lang="ru-RU"/>
               <a:t>Образец заголовка</a:t>
             </a:r>
             <a:endParaRPr lang="uk-UA"/>
@@ -1231,35 +1268,35 @@
           <a:p>
             <a:pPr lvl="0"/>
             <a:r>
-              <a:rPr lang="ru-RU" smtClean="0"/>
+              <a:rPr lang="ru-RU"/>
               <a:t>Образец текста</a:t>
             </a:r>
           </a:p>
           <a:p>
             <a:pPr lvl="1"/>
             <a:r>
-              <a:rPr lang="ru-RU" smtClean="0"/>
+              <a:rPr lang="ru-RU"/>
               <a:t>Второй уровень</a:t>
             </a:r>
           </a:p>
           <a:p>
             <a:pPr lvl="2"/>
             <a:r>
-              <a:rPr lang="ru-RU" smtClean="0"/>
+              <a:rPr lang="ru-RU"/>
               <a:t>Третий уровень</a:t>
             </a:r>
           </a:p>
           <a:p>
             <a:pPr lvl="3"/>
             <a:r>
-              <a:rPr lang="ru-RU" smtClean="0"/>
+              <a:rPr lang="ru-RU"/>
               <a:t>Четвертый уровень</a:t>
             </a:r>
           </a:p>
           <a:p>
             <a:pPr lvl="4"/>
             <a:r>
-              <a:rPr lang="ru-RU" smtClean="0"/>
+              <a:rPr lang="ru-RU"/>
               <a:t>Пятый уровень</a:t>
             </a:r>
             <a:endParaRPr lang="uk-UA"/>
@@ -1284,7 +1321,7 @@
             <a:fld id="{68E2E168-B245-4D8D-8538-B29990DBF87B}" type="datetime1">
               <a:rPr lang="uk-UA" smtClean="0"/>
               <a:pPr/>
-              <a:t>13.11.2020</a:t>
+              <a:t>16.11.2021</a:t>
             </a:fld>
             <a:endParaRPr lang="uk-UA"/>
           </a:p>
@@ -1327,7 +1364,7 @@
             <a:fld id="{6389AA22-90B4-448C-8B6B-C699140D38B9}" type="slidenum">
               <a:rPr lang="uk-UA" smtClean="0"/>
               <a:pPr/>
-              <a:t>‹#›</a:t>
+              <a:t>‹№›</a:t>
             </a:fld>
             <a:endParaRPr lang="uk-UA"/>
           </a:p>
@@ -1383,7 +1420,7 @@
           </a:lstStyle>
           <a:p>
             <a:r>
-              <a:rPr lang="ru-RU" smtClean="0"/>
+              <a:rPr lang="ru-RU"/>
               <a:t>Образец заголовка</a:t>
             </a:r>
             <a:endParaRPr lang="uk-UA"/>
@@ -1503,7 +1540,7 @@
           <a:p>
             <a:pPr lvl="0"/>
             <a:r>
-              <a:rPr lang="ru-RU" smtClean="0"/>
+              <a:rPr lang="ru-RU"/>
               <a:t>Образец текста</a:t>
             </a:r>
           </a:p>
@@ -1527,7 +1564,7 @@
             <a:fld id="{356DAF6E-7007-4E61-B36E-794BF232B234}" type="datetime1">
               <a:rPr lang="uk-UA" smtClean="0"/>
               <a:pPr/>
-              <a:t>13.11.2020</a:t>
+              <a:t>16.11.2021</a:t>
             </a:fld>
             <a:endParaRPr lang="uk-UA"/>
           </a:p>
@@ -1570,7 +1607,7 @@
             <a:fld id="{6389AA22-90B4-448C-8B6B-C699140D38B9}" type="slidenum">
               <a:rPr lang="uk-UA" smtClean="0"/>
               <a:pPr/>
-              <a:t>‹#›</a:t>
+              <a:t>‹№›</a:t>
             </a:fld>
             <a:endParaRPr lang="uk-UA"/>
           </a:p>
@@ -1617,7 +1654,7 @@
           <a:lstStyle/>
           <a:p>
             <a:r>
-              <a:rPr lang="ru-RU" smtClean="0"/>
+              <a:rPr lang="ru-RU"/>
               <a:t>Образец заголовка</a:t>
             </a:r>
             <a:endParaRPr lang="uk-UA"/>
@@ -1674,35 +1711,35 @@
           <a:p>
             <a:pPr lvl="0"/>
             <a:r>
-              <a:rPr lang="ru-RU" smtClean="0"/>
+              <a:rPr lang="ru-RU"/>
               <a:t>Образец текста</a:t>
             </a:r>
           </a:p>
           <a:p>
             <a:pPr lvl="1"/>
             <a:r>
-              <a:rPr lang="ru-RU" smtClean="0"/>
+              <a:rPr lang="ru-RU"/>
               <a:t>Второй уровень</a:t>
             </a:r>
           </a:p>
           <a:p>
             <a:pPr lvl="2"/>
             <a:r>
-              <a:rPr lang="ru-RU" smtClean="0"/>
+              <a:rPr lang="ru-RU"/>
               <a:t>Третий уровень</a:t>
             </a:r>
           </a:p>
           <a:p>
             <a:pPr lvl="3"/>
             <a:r>
-              <a:rPr lang="ru-RU" smtClean="0"/>
+              <a:rPr lang="ru-RU"/>
               <a:t>Четвертый уровень</a:t>
             </a:r>
           </a:p>
           <a:p>
             <a:pPr lvl="4"/>
             <a:r>
-              <a:rPr lang="ru-RU" smtClean="0"/>
+              <a:rPr lang="ru-RU"/>
               <a:t>Пятый уровень</a:t>
             </a:r>
             <a:endParaRPr lang="uk-UA"/>
@@ -1759,35 +1796,35 @@
           <a:p>
             <a:pPr lvl="0"/>
             <a:r>
-              <a:rPr lang="ru-RU" smtClean="0"/>
+              <a:rPr lang="ru-RU"/>
               <a:t>Образец текста</a:t>
             </a:r>
           </a:p>
           <a:p>
             <a:pPr lvl="1"/>
             <a:r>
-              <a:rPr lang="ru-RU" smtClean="0"/>
+              <a:rPr lang="ru-RU"/>
               <a:t>Второй уровень</a:t>
             </a:r>
           </a:p>
           <a:p>
             <a:pPr lvl="2"/>
             <a:r>
-              <a:rPr lang="ru-RU" smtClean="0"/>
+              <a:rPr lang="ru-RU"/>
               <a:t>Третий уровень</a:t>
             </a:r>
           </a:p>
           <a:p>
             <a:pPr lvl="3"/>
             <a:r>
-              <a:rPr lang="ru-RU" smtClean="0"/>
+              <a:rPr lang="ru-RU"/>
               <a:t>Четвертый уровень</a:t>
             </a:r>
           </a:p>
           <a:p>
             <a:pPr lvl="4"/>
             <a:r>
-              <a:rPr lang="ru-RU" smtClean="0"/>
+              <a:rPr lang="ru-RU"/>
               <a:t>Пятый уровень</a:t>
             </a:r>
             <a:endParaRPr lang="uk-UA"/>
@@ -1812,7 +1849,7 @@
             <a:fld id="{4B2141DD-FE72-44AA-B946-B70892F1F5B7}" type="datetime1">
               <a:rPr lang="uk-UA" smtClean="0"/>
               <a:pPr/>
-              <a:t>13.11.2020</a:t>
+              <a:t>16.11.2021</a:t>
             </a:fld>
             <a:endParaRPr lang="uk-UA"/>
           </a:p>
@@ -1855,7 +1892,7 @@
             <a:fld id="{6389AA22-90B4-448C-8B6B-C699140D38B9}" type="slidenum">
               <a:rPr lang="uk-UA" smtClean="0"/>
               <a:pPr/>
-              <a:t>‹#›</a:t>
+              <a:t>‹№›</a:t>
             </a:fld>
             <a:endParaRPr lang="uk-UA"/>
           </a:p>
@@ -1906,7 +1943,7 @@
           </a:lstStyle>
           <a:p>
             <a:r>
-              <a:rPr lang="ru-RU" smtClean="0"/>
+              <a:rPr lang="ru-RU"/>
               <a:t>Образец заголовка</a:t>
             </a:r>
             <a:endParaRPr lang="uk-UA"/>
@@ -1972,7 +2009,7 @@
           <a:p>
             <a:pPr lvl="0"/>
             <a:r>
-              <a:rPr lang="ru-RU" smtClean="0"/>
+              <a:rPr lang="ru-RU"/>
               <a:t>Образец текста</a:t>
             </a:r>
           </a:p>
@@ -2028,35 +2065,35 @@
           <a:p>
             <a:pPr lvl="0"/>
             <a:r>
-              <a:rPr lang="ru-RU" smtClean="0"/>
+              <a:rPr lang="ru-RU"/>
               <a:t>Образец текста</a:t>
             </a:r>
           </a:p>
           <a:p>
             <a:pPr lvl="1"/>
             <a:r>
-              <a:rPr lang="ru-RU" smtClean="0"/>
+              <a:rPr lang="ru-RU"/>
               <a:t>Второй уровень</a:t>
             </a:r>
           </a:p>
           <a:p>
             <a:pPr lvl="2"/>
             <a:r>
-              <a:rPr lang="ru-RU" smtClean="0"/>
+              <a:rPr lang="ru-RU"/>
               <a:t>Третий уровень</a:t>
             </a:r>
           </a:p>
           <a:p>
             <a:pPr lvl="3"/>
             <a:r>
-              <a:rPr lang="ru-RU" smtClean="0"/>
+              <a:rPr lang="ru-RU"/>
               <a:t>Четвертый уровень</a:t>
             </a:r>
           </a:p>
           <a:p>
             <a:pPr lvl="4"/>
             <a:r>
-              <a:rPr lang="ru-RU" smtClean="0"/>
+              <a:rPr lang="ru-RU"/>
               <a:t>Пятый уровень</a:t>
             </a:r>
             <a:endParaRPr lang="uk-UA"/>
@@ -2122,7 +2159,7 @@
           <a:p>
             <a:pPr lvl="0"/>
             <a:r>
-              <a:rPr lang="ru-RU" smtClean="0"/>
+              <a:rPr lang="ru-RU"/>
               <a:t>Образец текста</a:t>
             </a:r>
           </a:p>
@@ -2178,35 +2215,35 @@
           <a:p>
             <a:pPr lvl="0"/>
             <a:r>
-              <a:rPr lang="ru-RU" smtClean="0"/>
+              <a:rPr lang="ru-RU"/>
               <a:t>Образец текста</a:t>
             </a:r>
           </a:p>
           <a:p>
             <a:pPr lvl="1"/>
             <a:r>
-              <a:rPr lang="ru-RU" smtClean="0"/>
+              <a:rPr lang="ru-RU"/>
               <a:t>Второй уровень</a:t>
             </a:r>
           </a:p>
           <a:p>
             <a:pPr lvl="2"/>
             <a:r>
-              <a:rPr lang="ru-RU" smtClean="0"/>
+              <a:rPr lang="ru-RU"/>
               <a:t>Третий уровень</a:t>
             </a:r>
           </a:p>
           <a:p>
             <a:pPr lvl="3"/>
             <a:r>
-              <a:rPr lang="ru-RU" smtClean="0"/>
+              <a:rPr lang="ru-RU"/>
               <a:t>Четвертый уровень</a:t>
             </a:r>
           </a:p>
           <a:p>
             <a:pPr lvl="4"/>
             <a:r>
-              <a:rPr lang="ru-RU" smtClean="0"/>
+              <a:rPr lang="ru-RU"/>
               <a:t>Пятый уровень</a:t>
             </a:r>
             <a:endParaRPr lang="uk-UA"/>
@@ -2231,7 +2268,7 @@
             <a:fld id="{D1C4DC7C-6CC4-4D1F-A21B-A650800E0532}" type="datetime1">
               <a:rPr lang="uk-UA" smtClean="0"/>
               <a:pPr/>
-              <a:t>13.11.2020</a:t>
+              <a:t>16.11.2021</a:t>
             </a:fld>
             <a:endParaRPr lang="uk-UA"/>
           </a:p>
@@ -2274,7 +2311,7 @@
             <a:fld id="{6389AA22-90B4-448C-8B6B-C699140D38B9}" type="slidenum">
               <a:rPr lang="uk-UA" smtClean="0"/>
               <a:pPr/>
-              <a:t>‹#›</a:t>
+              <a:t>‹№›</a:t>
             </a:fld>
             <a:endParaRPr lang="uk-UA"/>
           </a:p>
@@ -2321,7 +2358,7 @@
           <a:lstStyle/>
           <a:p>
             <a:r>
-              <a:rPr lang="ru-RU" smtClean="0"/>
+              <a:rPr lang="ru-RU"/>
               <a:t>Образец заголовка</a:t>
             </a:r>
             <a:endParaRPr lang="uk-UA"/>
@@ -2346,7 +2383,7 @@
             <a:fld id="{09E753FA-BE70-4E9D-A1A2-A798C2E22C2C}" type="datetime1">
               <a:rPr lang="uk-UA" smtClean="0"/>
               <a:pPr/>
-              <a:t>13.11.2020</a:t>
+              <a:t>16.11.2021</a:t>
             </a:fld>
             <a:endParaRPr lang="uk-UA"/>
           </a:p>
@@ -2389,7 +2426,7 @@
             <a:fld id="{6389AA22-90B4-448C-8B6B-C699140D38B9}" type="slidenum">
               <a:rPr lang="uk-UA" smtClean="0"/>
               <a:pPr/>
-              <a:t>‹#›</a:t>
+              <a:t>‹№›</a:t>
             </a:fld>
             <a:endParaRPr lang="uk-UA"/>
           </a:p>
@@ -2438,7 +2475,7 @@
             <a:fld id="{BC4E9D1B-A194-48C6-B5A1-4C29D0F81227}" type="datetime1">
               <a:rPr lang="uk-UA" smtClean="0"/>
               <a:pPr/>
-              <a:t>13.11.2020</a:t>
+              <a:t>16.11.2021</a:t>
             </a:fld>
             <a:endParaRPr lang="uk-UA"/>
           </a:p>
@@ -2481,7 +2518,7 @@
             <a:fld id="{6389AA22-90B4-448C-8B6B-C699140D38B9}" type="slidenum">
               <a:rPr lang="uk-UA" smtClean="0"/>
               <a:pPr/>
-              <a:t>‹#›</a:t>
+              <a:t>‹№›</a:t>
             </a:fld>
             <a:endParaRPr lang="uk-UA"/>
           </a:p>
@@ -2537,7 +2574,7 @@
           </a:lstStyle>
           <a:p>
             <a:r>
-              <a:rPr lang="ru-RU" smtClean="0"/>
+              <a:rPr lang="ru-RU"/>
               <a:t>Образец заголовка</a:t>
             </a:r>
             <a:endParaRPr lang="uk-UA"/>
@@ -2594,35 +2631,35 @@
           <a:p>
             <a:pPr lvl="0"/>
             <a:r>
-              <a:rPr lang="ru-RU" smtClean="0"/>
+              <a:rPr lang="ru-RU"/>
               <a:t>Образец текста</a:t>
             </a:r>
           </a:p>
           <a:p>
             <a:pPr lvl="1"/>
             <a:r>
-              <a:rPr lang="ru-RU" smtClean="0"/>
+              <a:rPr lang="ru-RU"/>
               <a:t>Второй уровень</a:t>
             </a:r>
           </a:p>
           <a:p>
             <a:pPr lvl="2"/>
             <a:r>
-              <a:rPr lang="ru-RU" smtClean="0"/>
+              <a:rPr lang="ru-RU"/>
               <a:t>Третий уровень</a:t>
             </a:r>
           </a:p>
           <a:p>
             <a:pPr lvl="3"/>
             <a:r>
-              <a:rPr lang="ru-RU" smtClean="0"/>
+              <a:rPr lang="ru-RU"/>
               <a:t>Четвертый уровень</a:t>
             </a:r>
           </a:p>
           <a:p>
             <a:pPr lvl="4"/>
             <a:r>
-              <a:rPr lang="ru-RU" smtClean="0"/>
+              <a:rPr lang="ru-RU"/>
               <a:t>Пятый уровень</a:t>
             </a:r>
             <a:endParaRPr lang="uk-UA"/>
@@ -2688,7 +2725,7 @@
           <a:p>
             <a:pPr lvl="0"/>
             <a:r>
-              <a:rPr lang="ru-RU" smtClean="0"/>
+              <a:rPr lang="ru-RU"/>
               <a:t>Образец текста</a:t>
             </a:r>
           </a:p>
@@ -2712,7 +2749,7 @@
             <a:fld id="{98DC5B78-3AEE-4E8C-84A2-DF8B252C6B7D}" type="datetime1">
               <a:rPr lang="uk-UA" smtClean="0"/>
               <a:pPr/>
-              <a:t>13.11.2020</a:t>
+              <a:t>16.11.2021</a:t>
             </a:fld>
             <a:endParaRPr lang="uk-UA"/>
           </a:p>
@@ -2755,7 +2792,7 @@
             <a:fld id="{6389AA22-90B4-448C-8B6B-C699140D38B9}" type="slidenum">
               <a:rPr lang="uk-UA" smtClean="0"/>
               <a:pPr/>
-              <a:t>‹#›</a:t>
+              <a:t>‹№›</a:t>
             </a:fld>
             <a:endParaRPr lang="uk-UA"/>
           </a:p>
@@ -2811,7 +2848,7 @@
           </a:lstStyle>
           <a:p>
             <a:r>
-              <a:rPr lang="ru-RU" smtClean="0"/>
+              <a:rPr lang="ru-RU"/>
               <a:t>Образец заголовка</a:t>
             </a:r>
             <a:endParaRPr lang="uk-UA"/>
@@ -2938,7 +2975,7 @@
           <a:p>
             <a:pPr lvl="0"/>
             <a:r>
-              <a:rPr lang="ru-RU" smtClean="0"/>
+              <a:rPr lang="ru-RU"/>
               <a:t>Образец текста</a:t>
             </a:r>
           </a:p>
@@ -2962,7 +2999,7 @@
             <a:fld id="{08E6AC05-7690-4D29-B090-15CFA8055B58}" type="datetime1">
               <a:rPr lang="uk-UA" smtClean="0"/>
               <a:pPr/>
-              <a:t>13.11.2020</a:t>
+              <a:t>16.11.2021</a:t>
             </a:fld>
             <a:endParaRPr lang="uk-UA"/>
           </a:p>
@@ -3005,7 +3042,7 @@
             <a:fld id="{6389AA22-90B4-448C-8B6B-C699140D38B9}" type="slidenum">
               <a:rPr lang="uk-UA" smtClean="0"/>
               <a:pPr/>
-              <a:t>‹#›</a:t>
+              <a:t>‹№›</a:t>
             </a:fld>
             <a:endParaRPr lang="uk-UA"/>
           </a:p>
@@ -3067,7 +3104,7 @@
           <a:lstStyle/>
           <a:p>
             <a:r>
-              <a:rPr lang="ru-RU" smtClean="0"/>
+              <a:rPr lang="ru-RU"/>
               <a:t>Образец заголовка</a:t>
             </a:r>
             <a:endParaRPr lang="uk-UA"/>
@@ -3101,35 +3138,35 @@
           <a:p>
             <a:pPr lvl="0"/>
             <a:r>
-              <a:rPr lang="ru-RU" smtClean="0"/>
+              <a:rPr lang="ru-RU"/>
               <a:t>Образец текста</a:t>
             </a:r>
           </a:p>
           <a:p>
             <a:pPr lvl="1"/>
             <a:r>
-              <a:rPr lang="ru-RU" smtClean="0"/>
+              <a:rPr lang="ru-RU"/>
               <a:t>Второй уровень</a:t>
             </a:r>
           </a:p>
           <a:p>
             <a:pPr lvl="2"/>
             <a:r>
-              <a:rPr lang="ru-RU" smtClean="0"/>
+              <a:rPr lang="ru-RU"/>
               <a:t>Третий уровень</a:t>
             </a:r>
           </a:p>
           <a:p>
             <a:pPr lvl="3"/>
             <a:r>
-              <a:rPr lang="ru-RU" smtClean="0"/>
+              <a:rPr lang="ru-RU"/>
               <a:t>Четвертый уровень</a:t>
             </a:r>
           </a:p>
           <a:p>
             <a:pPr lvl="4"/>
             <a:r>
-              <a:rPr lang="ru-RU" smtClean="0"/>
+              <a:rPr lang="ru-RU"/>
               <a:t>Пятый уровень</a:t>
             </a:r>
             <a:endParaRPr lang="uk-UA"/>
@@ -3172,7 +3209,7 @@
             <a:fld id="{C4778AB5-85A2-4D58-9351-A198925B541D}" type="datetime1">
               <a:rPr lang="uk-UA" smtClean="0"/>
               <a:pPr/>
-              <a:t>13.11.2020</a:t>
+              <a:t>16.11.2021</a:t>
             </a:fld>
             <a:endParaRPr lang="uk-UA"/>
           </a:p>
@@ -3251,7 +3288,7 @@
             <a:fld id="{6389AA22-90B4-448C-8B6B-C699140D38B9}" type="slidenum">
               <a:rPr lang="uk-UA" smtClean="0"/>
               <a:pPr/>
-              <a:t>‹#›</a:t>
+              <a:t>‹№›</a:t>
             </a:fld>
             <a:endParaRPr lang="uk-UA"/>
           </a:p>
@@ -3582,7 +3619,7 @@
           <a:p>
             <a:pPr algn="ctr"/>
             <a:r>
-              <a:rPr lang="en-US" sz="4400" b="1" dirty="0" smtClean="0">
+              <a:rPr lang="en-US" sz="4400" b="1" dirty="0">
                 <a:solidFill>
                   <a:srgbClr val="FFFF00"/>
                 </a:solidFill>
@@ -3591,7 +3628,7 @@
               <a:t>J</a:t>
             </a:r>
             <a:r>
-              <a:rPr lang="en-US" sz="4400" b="1" dirty="0" smtClean="0">
+              <a:rPr lang="en-US" sz="4400" b="1" dirty="0">
                 <a:solidFill>
                   <a:schemeClr val="bg1"/>
                 </a:solidFill>
@@ -3600,7 +3637,7 @@
               <a:t>ava</a:t>
             </a:r>
             <a:r>
-              <a:rPr lang="en-US" sz="4400" b="1" dirty="0" smtClean="0">
+              <a:rPr lang="en-US" sz="4400" b="1" dirty="0">
                 <a:solidFill>
                   <a:srgbClr val="FFFF00"/>
                 </a:solidFill>
@@ -3609,7 +3646,7 @@
               <a:t>S</a:t>
             </a:r>
             <a:r>
-              <a:rPr lang="en-US" sz="4400" b="1" dirty="0" smtClean="0">
+              <a:rPr lang="en-US" sz="4400" b="1" dirty="0">
                 <a:solidFill>
                   <a:schemeClr val="bg1"/>
                 </a:solidFill>
@@ -3618,7 +3655,7 @@
               <a:t>cript: </a:t>
             </a:r>
             <a:r>
-              <a:rPr lang="ru-RU" sz="4400" b="1" dirty="0" smtClean="0">
+              <a:rPr lang="ru-RU" sz="4400" b="1" dirty="0">
                 <a:solidFill>
                   <a:schemeClr val="bg1"/>
                 </a:solidFill>
@@ -3752,7 +3789,7 @@
           <a:p>
             <a:pPr algn="ctr" fontAlgn="base"/>
             <a:r>
-              <a:rPr lang="en-US" sz="3200" b="1" dirty="0" smtClean="0">
+              <a:rPr lang="en-US" sz="3200" b="1" dirty="0">
                 <a:solidFill>
                   <a:schemeClr val="bg1"/>
                 </a:solidFill>
@@ -3761,7 +3798,7 @@
               <a:t>ORT</a:t>
             </a:r>
             <a:r>
-              <a:rPr lang="en-US" sz="3200" b="1" dirty="0" smtClean="0">
+              <a:rPr lang="en-US" sz="3200" b="1" dirty="0">
                 <a:solidFill>
                   <a:srgbClr val="FFC000"/>
                 </a:solidFill>
@@ -3770,7 +3807,7 @@
               <a:t>DNIPRO</a:t>
             </a:r>
             <a:r>
-              <a:rPr lang="en-US" sz="3200" b="1" dirty="0" smtClean="0">
+              <a:rPr lang="en-US" sz="3200" b="1" dirty="0">
                 <a:solidFill>
                   <a:schemeClr val="bg1"/>
                 </a:solidFill>
@@ -3779,7 +3816,7 @@
               <a:t>.ORG</a:t>
             </a:r>
             <a:r>
-              <a:rPr lang="en-US" sz="3200" b="1" dirty="0" smtClean="0">
+              <a:rPr lang="en-US" sz="3200" b="1" dirty="0">
                 <a:solidFill>
                   <a:srgbClr val="FFC000"/>
                 </a:solidFill>
@@ -3806,13 +3843,6 @@
   <p:clrMapOvr>
     <a:masterClrMapping/>
   </p:clrMapOvr>
-  <p:timing>
-    <p:tnLst>
-      <p:par>
-        <p:cTn id="1" dur="indefinite" restart="never" nodeType="tmRoot"/>
-      </p:par>
-    </p:tnLst>
-  </p:timing>
 </p:sld>
 </file>
 
@@ -3945,26 +3975,14 @@
             </a:r>
             <a:r>
               <a:rPr lang="ru-RU" sz="3600" b="1" dirty="0"/>
-              <a:t>когда </a:t>
-            </a:r>
-            <a:r>
-              <a:rPr lang="ru-RU" sz="3600" b="1" dirty="0" smtClean="0"/>
-              <a:t>известно </a:t>
-            </a:r>
-            <a:r>
-              <a:rPr lang="en-US" sz="3600" b="1" dirty="0" smtClean="0"/>
-              <a:t/>
+              <a:t>когда известно </a:t>
             </a:r>
             <a:br>
-              <a:rPr lang="en-US" sz="3600" b="1" dirty="0" smtClean="0"/>
+              <a:rPr lang="en-US" sz="3600" b="1" dirty="0"/>
             </a:br>
             <a:r>
-              <a:rPr lang="ru-RU" sz="3600" b="1" dirty="0" smtClean="0"/>
-              <a:t>сколько </a:t>
-            </a:r>
-            <a:r>
               <a:rPr lang="ru-RU" sz="3600" b="1" dirty="0"/>
-              <a:t>раз нужно повторить действия</a:t>
+              <a:t>сколько раз нужно повторить действия</a:t>
             </a:r>
             <a:endParaRPr lang="uk-UA" sz="3600" b="1" dirty="0">
               <a:solidFill>
@@ -4012,22 +4030,18 @@
             </a:r>
             <a:r>
               <a:rPr lang="ru-RU" sz="2400" dirty="0"/>
-              <a:t>удобен для тех случаев, когда заранее известно (или можно просчитать на основе уже имеющихся данных), сколько раз нужно будет повторить то или иное действие</a:t>
-            </a:r>
-            <a:r>
-              <a:rPr lang="ru-RU" sz="2400" dirty="0" smtClean="0"/>
-              <a:t>. Цикл </a:t>
-            </a:r>
-            <a:r>
-              <a:rPr lang="en-US" sz="2400" b="1" dirty="0" smtClean="0"/>
+              <a:t>удобен для тех случаев, когда заранее известно (или можно просчитать на основе уже имеющихся данных), сколько раз нужно будет повторить то или иное действие. Цикл </a:t>
+            </a:r>
+            <a:r>
+              <a:rPr lang="en-US" sz="2400" b="1" dirty="0"/>
               <a:t>for</a:t>
             </a:r>
             <a:r>
-              <a:rPr lang="en-US" sz="2400" dirty="0" smtClean="0"/>
+              <a:rPr lang="en-US" sz="2400" dirty="0"/>
               <a:t> </a:t>
             </a:r>
             <a:r>
-              <a:rPr lang="ru-RU" sz="2400" dirty="0" smtClean="0"/>
+              <a:rPr lang="ru-RU" sz="2400" dirty="0"/>
               <a:t>также называют «циклом со счётчиком» – название условное.</a:t>
             </a:r>
           </a:p>
@@ -4072,13 +4086,6 @@
   <p:clrMapOvr>
     <a:masterClrMapping/>
   </p:clrMapOvr>
-  <p:timing>
-    <p:tnLst>
-      <p:par>
-        <p:cTn id="1" dur="indefinite" restart="never" nodeType="tmRoot"/>
-      </p:par>
-    </p:tnLst>
-  </p:timing>
 </p:sld>
 </file>
 
@@ -4141,15 +4148,15 @@
           <a:p>
             <a:pPr algn="ctr"/>
             <a:r>
-              <a:rPr lang="en-US" sz="6000" b="1" dirty="0" smtClean="0"/>
+              <a:rPr lang="en-US" sz="6000" b="1" dirty="0"/>
               <a:t>3</a:t>
             </a:r>
             <a:r>
-              <a:rPr lang="ru-RU" sz="6000" b="1" dirty="0" smtClean="0"/>
+              <a:rPr lang="ru-RU" sz="6000" b="1" dirty="0"/>
               <a:t>. Операторы </a:t>
             </a:r>
             <a:r>
-              <a:rPr lang="en-US" sz="6000" b="1" dirty="0" smtClean="0">
+              <a:rPr lang="en-US" sz="6000" b="1" dirty="0">
                 <a:solidFill>
                   <a:srgbClr val="FFFF00"/>
                 </a:solidFill>
@@ -4157,11 +4164,11 @@
               <a:t>continue</a:t>
             </a:r>
             <a:r>
-              <a:rPr lang="en-US" sz="6000" b="1" dirty="0" smtClean="0"/>
+              <a:rPr lang="en-US" sz="6000" b="1" dirty="0"/>
               <a:t>/</a:t>
             </a:r>
             <a:r>
-              <a:rPr lang="en-US" sz="6000" b="1" dirty="0" smtClean="0">
+              <a:rPr lang="en-US" sz="6000" b="1" dirty="0">
                 <a:solidFill>
                   <a:schemeClr val="accent6">
                     <a:lumMod val="75000"/>
@@ -4190,13 +4197,6 @@
   <p:clrMapOvr>
     <a:masterClrMapping/>
   </p:clrMapOvr>
-  <p:timing>
-    <p:tnLst>
-      <p:par>
-        <p:cTn id="1" dur="indefinite" restart="never" nodeType="tmRoot"/>
-      </p:par>
-    </p:tnLst>
-  </p:timing>
 </p:sld>
 </file>
 
@@ -4310,15 +4310,11 @@
           <a:lstStyle/>
           <a:p>
             <a:r>
-              <a:rPr lang="ru-RU" sz="3600" b="1" dirty="0" smtClean="0"/>
-              <a:t>Оператор</a:t>
-            </a:r>
-            <a:r>
-              <a:rPr lang="ru-RU" sz="3600" b="1" dirty="0" smtClean="0"/>
-              <a:t>ы </a:t>
-            </a:r>
-            <a:r>
-              <a:rPr lang="en-US" sz="3600" b="1" dirty="0" smtClean="0">
+              <a:rPr lang="ru-RU" sz="3600" b="1" dirty="0"/>
+              <a:t>Операторы </a:t>
+            </a:r>
+            <a:r>
+              <a:rPr lang="en-US" sz="3600" b="1" dirty="0">
                 <a:solidFill>
                   <a:schemeClr val="accent6">
                     <a:lumMod val="75000"/>
@@ -4328,11 +4324,11 @@
               <a:t>break</a:t>
             </a:r>
             <a:r>
-              <a:rPr lang="en-US" sz="3600" b="1" dirty="0" smtClean="0"/>
+              <a:rPr lang="en-US" sz="3600" b="1" dirty="0"/>
               <a:t>/</a:t>
             </a:r>
             <a:r>
-              <a:rPr lang="en-US" sz="3600" b="1" dirty="0" smtClean="0">
+              <a:rPr lang="en-US" sz="3600" b="1" dirty="0">
                 <a:solidFill>
                   <a:srgbClr val="00B050"/>
                 </a:solidFill>
@@ -4370,26 +4366,26 @@
           <a:lstStyle/>
           <a:p>
             <a:r>
-              <a:rPr lang="ru-RU" sz="2400" dirty="0" smtClean="0"/>
+              <a:rPr lang="ru-RU" sz="2400" dirty="0"/>
               <a:t>Оператор </a:t>
             </a:r>
             <a:r>
-              <a:rPr lang="en-US" sz="2400" b="1" dirty="0" smtClean="0"/>
+              <a:rPr lang="en-US" sz="2400" b="1" dirty="0"/>
               <a:t>break</a:t>
             </a:r>
             <a:r>
-              <a:rPr lang="en-US" sz="2400" dirty="0" smtClean="0"/>
+              <a:rPr lang="en-US" sz="2400" dirty="0"/>
               <a:t> </a:t>
             </a:r>
             <a:r>
-              <a:rPr lang="ru-RU" sz="2400" dirty="0" smtClean="0"/>
+              <a:rPr lang="ru-RU" sz="2400" dirty="0"/>
               <a:t>заставляет цикл завершить свою работу досрочно, прямо в месте вызова. Не имеет смысла без сопутствующего оператора </a:t>
             </a:r>
             <a:r>
-              <a:rPr lang="en-US" sz="2400" b="1" dirty="0" smtClean="0"/>
+              <a:rPr lang="en-US" sz="2400" b="1" dirty="0"/>
               <a:t>if/else.</a:t>
             </a:r>
-            <a:endParaRPr lang="ru-RU" sz="2400" b="1" dirty="0" smtClean="0"/>
+            <a:endParaRPr lang="ru-RU" sz="2400" b="1" dirty="0"/>
           </a:p>
         </p:txBody>
       </p:sp>
@@ -4450,34 +4446,26 @@
           <a:lstStyle/>
           <a:p>
             <a:r>
-              <a:rPr lang="ru-RU" sz="2400" dirty="0" smtClean="0"/>
+              <a:rPr lang="ru-RU" sz="2400" dirty="0"/>
               <a:t>Оператор </a:t>
             </a:r>
             <a:r>
-              <a:rPr lang="en-US" sz="2400" b="1" dirty="0" smtClean="0"/>
+              <a:rPr lang="en-US" sz="2400" b="1" dirty="0"/>
               <a:t>continue</a:t>
             </a:r>
             <a:r>
-              <a:rPr lang="en-US" sz="2400" dirty="0" smtClean="0"/>
+              <a:rPr lang="en-US" sz="2400" dirty="0"/>
               <a:t> </a:t>
             </a:r>
             <a:r>
-              <a:rPr lang="ru-RU" sz="2400" dirty="0" smtClean="0"/>
-              <a:t>заставляет цикл завершить </a:t>
-            </a:r>
-            <a:r>
-              <a:rPr lang="ru-RU" sz="2400" dirty="0" smtClean="0"/>
-              <a:t>текущую итерацию, и сразу перейти к следующей. Также</a:t>
-            </a:r>
-            <a:r>
-              <a:rPr lang="ru-RU" sz="2400" dirty="0" smtClean="0"/>
-              <a:t> не имеет смысла без сопутствующего оператора </a:t>
-            </a:r>
-            <a:r>
-              <a:rPr lang="en-US" sz="2400" b="1" dirty="0" smtClean="0"/>
+              <a:rPr lang="ru-RU" sz="2400" dirty="0"/>
+              <a:t>заставляет цикл завершить текущую итерацию, и сразу перейти к следующей. Также не имеет смысла без сопутствующего оператора </a:t>
+            </a:r>
+            <a:r>
+              <a:rPr lang="en-US" sz="2400" b="1" dirty="0"/>
               <a:t>if/else.</a:t>
             </a:r>
-            <a:endParaRPr lang="ru-RU" sz="2400" b="1" dirty="0" smtClean="0"/>
+            <a:endParaRPr lang="ru-RU" sz="2400" b="1" dirty="0"/>
           </a:p>
         </p:txBody>
       </p:sp>
@@ -4491,13 +4479,6 @@
   <p:clrMapOvr>
     <a:masterClrMapping/>
   </p:clrMapOvr>
-  <p:timing>
-    <p:tnLst>
-      <p:par>
-        <p:cTn id="1" dur="indefinite" restart="never" nodeType="tmRoot"/>
-      </p:par>
-    </p:tnLst>
-  </p:timing>
 </p:sld>
 </file>
 
@@ -4564,11 +4545,11 @@
               <a:t>4</a:t>
             </a:r>
             <a:r>
-              <a:rPr lang="ru-RU" sz="6000" b="1" dirty="0" smtClean="0"/>
+              <a:rPr lang="ru-RU" sz="6000" b="1" dirty="0"/>
               <a:t>. Немного практики </a:t>
             </a:r>
             <a:r>
-              <a:rPr lang="en-US" sz="6000" b="1" dirty="0" smtClean="0"/>
+              <a:rPr lang="en-US" sz="6000" b="1" dirty="0"/>
               <a:t>#1</a:t>
             </a:r>
             <a:endParaRPr lang="uk-UA" sz="6000" b="1" dirty="0"/>
@@ -4585,13 +4566,6 @@
   <p:clrMapOvr>
     <a:masterClrMapping/>
   </p:clrMapOvr>
-  <p:timing>
-    <p:tnLst>
-      <p:par>
-        <p:cTn id="1" dur="indefinite" restart="never" nodeType="tmRoot"/>
-      </p:par>
-    </p:tnLst>
-  </p:timing>
 </p:sld>
 </file>
 
@@ -4706,10 +4680,9 @@
           <a:p>
             <a:pPr algn="ctr"/>
             <a:r>
-              <a:rPr lang="ru-RU" sz="4000" b="1" dirty="0" smtClean="0"/>
+              <a:rPr lang="ru-RU" sz="4000" b="1" dirty="0"/>
               <a:t>Игра «Угадай число»</a:t>
             </a:r>
-            <a:endParaRPr lang="ru-RU" sz="4000" b="1" dirty="0"/>
           </a:p>
         </p:txBody>
       </p:sp>
@@ -4736,52 +4709,36 @@
           <a:lstStyle/>
           <a:p>
             <a:r>
-              <a:rPr lang="ru-RU" sz="2800" dirty="0" smtClean="0"/>
+              <a:rPr lang="ru-RU" sz="2800" dirty="0"/>
               <a:t>Скрипт </a:t>
             </a:r>
             <a:r>
-              <a:rPr lang="ru-RU" sz="2800" b="1" dirty="0" smtClean="0"/>
+              <a:rPr lang="ru-RU" sz="2800" b="1" dirty="0"/>
               <a:t>загадывает число </a:t>
             </a:r>
             <a:r>
-              <a:rPr lang="ru-RU" sz="2800" dirty="0" smtClean="0"/>
-              <a:t>(от 1 до 100 включительно) и даёт </a:t>
-            </a:r>
-            <a:r>
-              <a:rPr lang="ru-RU" sz="2800" dirty="0" smtClean="0"/>
-              <a:t>игроку </a:t>
-            </a:r>
-            <a:r>
-              <a:rPr lang="ru-RU" sz="2800" b="1" dirty="0" smtClean="0"/>
+              <a:rPr lang="ru-RU" sz="2800" dirty="0"/>
+              <a:t>(от 1 до 100 включительно) и даёт игроку </a:t>
+            </a:r>
+            <a:r>
+              <a:rPr lang="ru-RU" sz="2800" b="1" dirty="0"/>
               <a:t>10 попыток </a:t>
             </a:r>
             <a:r>
-              <a:rPr lang="ru-RU" sz="2800" dirty="0" smtClean="0"/>
-              <a:t>его угадать, если пользователь не угадал - скрипт сообщает, что он проиграл и игра сообщает ему какой ответ был правильный.  </a:t>
-            </a:r>
-            <a:r>
-              <a:rPr lang="ru-RU" sz="2800" dirty="0" smtClean="0"/>
-              <a:t>Если игрок </a:t>
-            </a:r>
-            <a:r>
-              <a:rPr lang="ru-RU" sz="2800" dirty="0" smtClean="0"/>
-              <a:t>угадал игра сообщает, что он выиграл. Для генерации чисел используйте функцию </a:t>
-            </a:r>
-            <a:r>
-              <a:rPr lang="en-US" sz="2800" b="1" dirty="0" err="1" smtClean="0"/>
+              <a:rPr lang="ru-RU" sz="2800" dirty="0"/>
+              <a:t>его угадать, если пользователь не угадал - скрипт сообщает, что он проиграл и игра сообщает ему какой ответ был правильный.  Если игрок угадал игра сообщает, что он выиграл. Для генерации чисел используйте функцию </a:t>
+            </a:r>
+            <a:r>
+              <a:rPr lang="en-US" sz="2800" b="1" dirty="0" err="1"/>
               <a:t>Math.random</a:t>
             </a:r>
             <a:r>
-              <a:rPr lang="en-US" sz="2800" dirty="0" smtClean="0"/>
+              <a:rPr lang="en-US" sz="2800" dirty="0"/>
               <a:t>();</a:t>
             </a:r>
             <a:r>
-              <a:rPr lang="ru-RU" sz="2800" dirty="0" smtClean="0"/>
-              <a:t> </a:t>
-            </a:r>
-            <a:r>
               <a:rPr lang="ru-RU" sz="2800" dirty="0"/>
-              <a:t>Игра при неправильных ответах должна давать подсказки о том число которое ввёл пользователь больше или меньше загаданного. </a:t>
+              <a:t> Игра при неправильных ответах должна давать подсказки о том число которое ввёл пользователь больше или меньше загаданного. </a:t>
             </a:r>
           </a:p>
         </p:txBody>
@@ -4796,13 +4753,6 @@
   <p:clrMapOvr>
     <a:masterClrMapping/>
   </p:clrMapOvr>
-  <p:timing>
-    <p:tnLst>
-      <p:par>
-        <p:cTn id="1" dur="indefinite" restart="never" nodeType="tmRoot"/>
-      </p:par>
-    </p:tnLst>
-  </p:timing>
 </p:sld>
 </file>
 
@@ -4869,11 +4819,11 @@
               <a:t>5</a:t>
             </a:r>
             <a:r>
-              <a:rPr lang="ru-RU" sz="6000" b="1" dirty="0" smtClean="0"/>
+              <a:rPr lang="ru-RU" sz="6000" b="1" dirty="0"/>
               <a:t>. Немного практики</a:t>
             </a:r>
             <a:r>
-              <a:rPr lang="en-US" sz="6000" b="1" dirty="0" smtClean="0"/>
+              <a:rPr lang="en-US" sz="6000" b="1" dirty="0"/>
               <a:t> #2</a:t>
             </a:r>
             <a:endParaRPr lang="uk-UA" sz="6000" b="1" dirty="0"/>
@@ -4890,13 +4840,6 @@
   <p:clrMapOvr>
     <a:masterClrMapping/>
   </p:clrMapOvr>
-  <p:timing>
-    <p:tnLst>
-      <p:par>
-        <p:cTn id="1" dur="indefinite" restart="never" nodeType="tmRoot"/>
-      </p:par>
-    </p:tnLst>
-  </p:timing>
 </p:sld>
 </file>
 
@@ -5011,10 +4954,9 @@
           <a:p>
             <a:pPr algn="ctr"/>
             <a:r>
-              <a:rPr lang="ru-RU" sz="4000" b="1" dirty="0" smtClean="0"/>
+              <a:rPr lang="ru-RU" sz="4000" b="1" dirty="0"/>
               <a:t>Депозит с капитализацией</a:t>
             </a:r>
-            <a:endParaRPr lang="ru-RU" sz="4000" b="1" dirty="0"/>
           </a:p>
         </p:txBody>
       </p:sp>
@@ -5041,64 +4983,55 @@
           <a:lstStyle/>
           <a:p>
             <a:r>
-              <a:rPr lang="ru-RU" sz="3200" dirty="0" smtClean="0"/>
+              <a:rPr lang="ru-RU" sz="3200" dirty="0"/>
               <a:t>Есть данные (вводятся пользователем) о </a:t>
             </a:r>
             <a:r>
-              <a:rPr lang="ru-RU" sz="3200" b="1" dirty="0" smtClean="0"/>
+              <a:rPr lang="ru-RU" sz="3200" b="1" dirty="0"/>
               <a:t>сумме вклада</a:t>
             </a:r>
             <a:r>
-              <a:rPr lang="ru-RU" sz="3200" dirty="0" smtClean="0"/>
+              <a:rPr lang="ru-RU" sz="3200" dirty="0"/>
               <a:t>, </a:t>
             </a:r>
             <a:r>
-              <a:rPr lang="ru-RU" sz="3200" b="1" dirty="0" smtClean="0"/>
+              <a:rPr lang="ru-RU" sz="3200" b="1" dirty="0"/>
               <a:t>процентной ставке </a:t>
             </a:r>
             <a:r>
-              <a:rPr lang="ru-RU" sz="3200" dirty="0" smtClean="0"/>
+              <a:rPr lang="ru-RU" sz="3200" dirty="0"/>
               <a:t>(годовых) и </a:t>
             </a:r>
             <a:r>
-              <a:rPr lang="ru-RU" sz="3200" b="1" dirty="0" smtClean="0"/>
+              <a:rPr lang="ru-RU" sz="3200" b="1" dirty="0"/>
               <a:t>сроке вклада в месяцах</a:t>
             </a:r>
             <a:r>
-              <a:rPr lang="ru-RU" sz="3200" dirty="0" smtClean="0"/>
+              <a:rPr lang="ru-RU" sz="3200" dirty="0"/>
               <a:t>. Необходимо рассчитать какой </a:t>
             </a:r>
             <a:r>
-              <a:rPr lang="ru-RU" sz="3200" b="1" dirty="0" smtClean="0"/>
+              <a:rPr lang="ru-RU" sz="3200" b="1" dirty="0"/>
               <a:t>доход</a:t>
             </a:r>
             <a:r>
-              <a:rPr lang="ru-RU" sz="3200" dirty="0" smtClean="0"/>
-              <a:t> принесёт депозит с ежемесячной капитализацией процентов</a:t>
-            </a:r>
-            <a:r>
               <a:rPr lang="ru-RU" sz="3200" dirty="0"/>
-              <a:t> </a:t>
-            </a:r>
-            <a:r>
-              <a:rPr lang="ru-RU" sz="3200" dirty="0" smtClean="0"/>
-              <a:t>в конце срока</a:t>
-            </a:r>
-            <a:r>
-              <a:rPr lang="en-US" sz="3200" dirty="0" smtClean="0"/>
+              <a:t> принесёт депозит с ежемесячной капитализацией процентов в конце срока</a:t>
+            </a:r>
+            <a:r>
+              <a:rPr lang="en-US" sz="3200" dirty="0"/>
               <a:t>. </a:t>
             </a:r>
-            <a:endParaRPr lang="ru-RU" sz="3200" dirty="0" smtClean="0"/>
+            <a:endParaRPr lang="ru-RU" sz="3200" dirty="0"/>
           </a:p>
           <a:p>
             <a:endParaRPr lang="ru-RU" sz="3200" i="1" dirty="0"/>
           </a:p>
           <a:p>
             <a:r>
-              <a:rPr lang="ru-RU" sz="3200" i="1" dirty="0" smtClean="0"/>
+              <a:rPr lang="ru-RU" sz="3200" i="1" dirty="0"/>
               <a:t>Считать, что проценты начисляются ежемесячно, количество дней в месяце и в году не влияет на результат, налоги также не учитываем. </a:t>
             </a:r>
-            <a:endParaRPr lang="ru-RU" sz="3200" i="1" dirty="0"/>
           </a:p>
         </p:txBody>
       </p:sp>
@@ -5112,13 +5045,6 @@
   <p:clrMapOvr>
     <a:masterClrMapping/>
   </p:clrMapOvr>
-  <p:timing>
-    <p:tnLst>
-      <p:par>
-        <p:cTn id="1" dur="indefinite" restart="never" nodeType="tmRoot"/>
-      </p:par>
-    </p:tnLst>
-  </p:timing>
 </p:sld>
 </file>
 
@@ -5182,17 +5108,13 @@
             <a:pPr algn="ctr"/>
             <a:r>
               <a:rPr lang="ru-RU" sz="6000" b="1" dirty="0"/>
-              <a:t>Домашнее </a:t>
-            </a:r>
-            <a:r>
-              <a:rPr lang="ru-RU" sz="6000" b="1" dirty="0" smtClean="0"/>
-              <a:t>задание</a:t>
+              <a:t>Домашнее задание</a:t>
             </a:r>
           </a:p>
           <a:p>
             <a:pPr algn="ctr"/>
             <a:r>
-              <a:rPr lang="ru-RU" sz="6000" b="1" dirty="0" smtClean="0">
+              <a:rPr lang="ru-RU" sz="6000" b="1" dirty="0">
                 <a:solidFill>
                   <a:srgbClr val="92D050"/>
                 </a:solidFill>
@@ -5217,13 +5139,6 @@
   <p:clrMapOvr>
     <a:masterClrMapping/>
   </p:clrMapOvr>
-  <p:timing>
-    <p:tnLst>
-      <p:par>
-        <p:cTn id="1" dur="indefinite" restart="never" nodeType="tmRoot"/>
-      </p:par>
-    </p:tnLst>
-  </p:timing>
 </p:sld>
 </file>
 
@@ -5337,7 +5252,7 @@
           <a:p>
             <a:pPr algn="ctr" fontAlgn="base"/>
             <a:r>
-              <a:rPr lang="ru-RU" sz="2800" b="1" dirty="0" smtClean="0">
+              <a:rPr lang="ru-RU" sz="2800" b="1" dirty="0">
                 <a:solidFill>
                   <a:srgbClr val="000000"/>
                 </a:solidFill>
@@ -5346,25 +5261,16 @@
               <a:t>Сборник</a:t>
             </a:r>
             <a:r>
-              <a:rPr lang="uk-UA" sz="2800" b="1" dirty="0" smtClean="0">
+              <a:rPr lang="uk-UA" sz="2800" b="1" dirty="0">
                 <a:solidFill>
                   <a:srgbClr val="000000"/>
                 </a:solidFill>
                 <a:latin typeface="Arial" panose="020B0604020202020204" pitchFamily="34" charset="0"/>
               </a:rPr>
-              <a:t> </a:t>
-            </a:r>
-            <a:r>
-              <a:rPr lang="uk-UA" sz="2800" b="1" dirty="0">
-                <a:solidFill>
-                  <a:srgbClr val="000000"/>
-                </a:solidFill>
-                <a:latin typeface="Arial" panose="020B0604020202020204" pitchFamily="34" charset="0"/>
-              </a:rPr>
-              <a:t>задач по </a:t>
-            </a:r>
-            <a:r>
-              <a:rPr lang="ru-RU" sz="2800" b="1" dirty="0" smtClean="0">
+              <a:t> задач по </a:t>
+            </a:r>
+            <a:r>
+              <a:rPr lang="ru-RU" sz="2800" b="1" dirty="0">
                 <a:solidFill>
                   <a:srgbClr val="000000"/>
                 </a:solidFill>
@@ -5373,7 +5279,7 @@
               <a:t>программированию на </a:t>
             </a:r>
             <a:r>
-              <a:rPr lang="en-US" sz="2800" b="1" dirty="0" smtClean="0">
+              <a:rPr lang="en-US" sz="2800" b="1" dirty="0">
                 <a:solidFill>
                   <a:srgbClr val="000000"/>
                 </a:solidFill>
@@ -5415,7 +5321,7 @@
           <a:p>
             <a:pPr algn="ctr"/>
             <a:r>
-              <a:rPr lang="ru-RU" sz="2800" i="1" dirty="0" smtClean="0"/>
+              <a:rPr lang="ru-RU" sz="2800" i="1" dirty="0"/>
               <a:t>Программирование ремесло и требует тренировки…</a:t>
             </a:r>
             <a:endParaRPr lang="uk-UA" sz="2800" i="1" dirty="0"/>
@@ -5498,25 +5404,16 @@
               <a:buChar char="•"/>
             </a:pPr>
             <a:r>
-              <a:rPr lang="ru-RU" dirty="0" smtClean="0">
+              <a:rPr lang="ru-RU" dirty="0">
                 <a:solidFill>
                   <a:srgbClr val="333333"/>
                 </a:solidFill>
                 <a:latin typeface="Arial" panose="020B0604020202020204" pitchFamily="34" charset="0"/>
               </a:rPr>
-              <a:t>Выведите числа </a:t>
-            </a:r>
-            <a:r>
-              <a:rPr lang="ru-RU" dirty="0">
-                <a:solidFill>
-                  <a:srgbClr val="333333"/>
-                </a:solidFill>
-                <a:latin typeface="Arial" panose="020B0604020202020204" pitchFamily="34" charset="0"/>
-              </a:rPr>
-              <a:t>от </a:t>
-            </a:r>
-            <a:r>
-              <a:rPr lang="ru-RU" b="1" dirty="0" smtClean="0">
+              <a:t>Выведите числа от </a:t>
+            </a:r>
+            <a:r>
+              <a:rPr lang="ru-RU" b="1" dirty="0">
                 <a:solidFill>
                   <a:srgbClr val="333333"/>
                 </a:solidFill>
@@ -5534,7 +5431,7 @@
               <a:t> до </a:t>
             </a:r>
             <a:r>
-              <a:rPr lang="ru-RU" b="1" dirty="0" smtClean="0">
+              <a:rPr lang="ru-RU" b="1" dirty="0">
                 <a:solidFill>
                   <a:srgbClr val="333333"/>
                 </a:solidFill>
@@ -5549,16 +5446,7 @@
                 </a:solidFill>
                 <a:latin typeface="Arial" panose="020B0604020202020204" pitchFamily="34" charset="0"/>
               </a:rPr>
-              <a:t>(включительно)</a:t>
-            </a:r>
-            <a:r>
-              <a:rPr lang="ru-RU" dirty="0" smtClean="0">
-                <a:solidFill>
-                  <a:srgbClr val="333333"/>
-                </a:solidFill>
-                <a:latin typeface="Arial" panose="020B0604020202020204" pitchFamily="34" charset="0"/>
-              </a:rPr>
-              <a:t>;</a:t>
+              <a:t>(включительно);</a:t>
             </a:r>
           </a:p>
           <a:p>
@@ -5575,25 +5463,16 @@
               <a:buChar char="•"/>
             </a:pPr>
             <a:r>
-              <a:rPr lang="ru-RU" dirty="0" smtClean="0">
+              <a:rPr lang="ru-RU" dirty="0">
                 <a:solidFill>
                   <a:srgbClr val="333333"/>
                 </a:solidFill>
                 <a:latin typeface="Arial" panose="020B0604020202020204" pitchFamily="34" charset="0"/>
               </a:rPr>
-              <a:t>Выведите числа </a:t>
-            </a:r>
-            <a:r>
-              <a:rPr lang="ru-RU" dirty="0">
-                <a:solidFill>
-                  <a:srgbClr val="333333"/>
-                </a:solidFill>
-                <a:latin typeface="Arial" panose="020B0604020202020204" pitchFamily="34" charset="0"/>
-              </a:rPr>
-              <a:t>от </a:t>
-            </a:r>
-            <a:r>
-              <a:rPr lang="ru-RU" b="1" dirty="0" smtClean="0">
+              <a:t>Выведите числа от </a:t>
+            </a:r>
+            <a:r>
+              <a:rPr lang="ru-RU" b="1" dirty="0">
                 <a:solidFill>
                   <a:srgbClr val="333333"/>
                 </a:solidFill>
@@ -5611,7 +5490,7 @@
               <a:t> до </a:t>
             </a:r>
             <a:r>
-              <a:rPr lang="ru-RU" b="1" dirty="0" smtClean="0">
+              <a:rPr lang="ru-RU" b="1" dirty="0">
                 <a:solidFill>
                   <a:srgbClr val="333333"/>
                 </a:solidFill>
@@ -5620,7 +5499,7 @@
               <a:t>57 </a:t>
             </a:r>
             <a:r>
-              <a:rPr lang="ru-RU" dirty="0" smtClean="0">
+              <a:rPr lang="ru-RU" dirty="0">
                 <a:solidFill>
                   <a:srgbClr val="333333"/>
                 </a:solidFill>
@@ -5643,22 +5522,13 @@
               <a:buChar char="•"/>
             </a:pPr>
             <a:r>
-              <a:rPr lang="ru-RU" dirty="0" smtClean="0">
+              <a:rPr lang="ru-RU" dirty="0">
                 <a:solidFill>
                   <a:srgbClr val="333333"/>
                 </a:solidFill>
                 <a:latin typeface="Arial" panose="020B0604020202020204" pitchFamily="34" charset="0"/>
               </a:rPr>
-              <a:t>Выведите четные </a:t>
-            </a:r>
-            <a:r>
-              <a:rPr lang="ru-RU" dirty="0">
-                <a:solidFill>
-                  <a:srgbClr val="333333"/>
-                </a:solidFill>
-                <a:latin typeface="Arial" panose="020B0604020202020204" pitchFamily="34" charset="0"/>
-              </a:rPr>
-              <a:t>чисел в промежутке от </a:t>
+              <a:t>Выведите четные чисел в промежутке от </a:t>
             </a:r>
             <a:r>
               <a:rPr lang="ru-RU" b="1" dirty="0">
@@ -5679,7 +5549,7 @@
               <a:t> до </a:t>
             </a:r>
             <a:r>
-              <a:rPr lang="ru-RU" b="1" dirty="0" smtClean="0">
+              <a:rPr lang="ru-RU" b="1" dirty="0">
                 <a:solidFill>
                   <a:srgbClr val="333333"/>
                 </a:solidFill>
@@ -5694,16 +5564,7 @@
                 </a:solidFill>
                 <a:latin typeface="Arial" panose="020B0604020202020204" pitchFamily="34" charset="0"/>
               </a:rPr>
-              <a:t>(включительно)</a:t>
-            </a:r>
-            <a:r>
-              <a:rPr lang="ru-RU" dirty="0" smtClean="0">
-                <a:solidFill>
-                  <a:srgbClr val="333333"/>
-                </a:solidFill>
-                <a:latin typeface="Arial" panose="020B0604020202020204" pitchFamily="34" charset="0"/>
-              </a:rPr>
-              <a:t>;</a:t>
+              <a:t>(включительно);</a:t>
             </a:r>
           </a:p>
           <a:p>
@@ -5720,22 +5581,13 @@
               <a:buChar char="•"/>
             </a:pPr>
             <a:r>
-              <a:rPr lang="ru-RU" dirty="0" smtClean="0">
+              <a:rPr lang="ru-RU" dirty="0">
                 <a:solidFill>
                   <a:srgbClr val="333333"/>
                 </a:solidFill>
                 <a:latin typeface="Arial" panose="020B0604020202020204" pitchFamily="34" charset="0"/>
               </a:rPr>
-              <a:t>С </a:t>
-            </a:r>
-            <a:r>
-              <a:rPr lang="ru-RU" dirty="0">
-                <a:solidFill>
-                  <a:srgbClr val="333333"/>
-                </a:solidFill>
-                <a:latin typeface="Arial" panose="020B0604020202020204" pitchFamily="34" charset="0"/>
-              </a:rPr>
-              <a:t>помощью цикла найдите сумму чисел от </a:t>
+              <a:t>С помощью цикла найдите сумму чисел от </a:t>
             </a:r>
             <a:r>
               <a:rPr lang="ru-RU" b="1" dirty="0">
@@ -5756,7 +5608,7 @@
               <a:t> до </a:t>
             </a:r>
             <a:r>
-              <a:rPr lang="ru-RU" b="1" dirty="0" smtClean="0">
+              <a:rPr lang="ru-RU" b="1" dirty="0">
                 <a:solidFill>
                   <a:srgbClr val="333333"/>
                 </a:solidFill>
@@ -5765,41 +5617,23 @@
               <a:t>100 </a:t>
             </a:r>
             <a:r>
-              <a:rPr lang="ru-RU" dirty="0" smtClean="0">
+              <a:rPr lang="ru-RU" dirty="0">
                 <a:solidFill>
                   <a:srgbClr val="333333"/>
                 </a:solidFill>
                 <a:latin typeface="Arial" panose="020B0604020202020204" pitchFamily="34" charset="0"/>
               </a:rPr>
-              <a:t>(</a:t>
-            </a:r>
-            <a:r>
+              <a:t>(включительно);</a:t>
+            </a:r>
+            <a:br>
               <a:rPr lang="ru-RU" dirty="0">
-                <a:solidFill>
-                  <a:srgbClr val="333333"/>
-                </a:solidFill>
-                <a:latin typeface="Arial" panose="020B0604020202020204" pitchFamily="34" charset="0"/>
-              </a:rPr>
-              <a:t>включительно</a:t>
-            </a:r>
-            <a:r>
-              <a:rPr lang="ru-RU" dirty="0" smtClean="0">
-                <a:solidFill>
-                  <a:srgbClr val="333333"/>
-                </a:solidFill>
-                <a:latin typeface="Arial" panose="020B0604020202020204" pitchFamily="34" charset="0"/>
-              </a:rPr>
-              <a:t>);</a:t>
-            </a:r>
-            <a:br>
-              <a:rPr lang="ru-RU" dirty="0" smtClean="0">
                 <a:solidFill>
                   <a:srgbClr val="333333"/>
                 </a:solidFill>
                 <a:latin typeface="Arial" panose="020B0604020202020204" pitchFamily="34" charset="0"/>
               </a:rPr>
             </a:br>
-            <a:endParaRPr lang="ru-RU" dirty="0" smtClean="0">
+            <a:endParaRPr lang="ru-RU" dirty="0">
               <a:solidFill>
                 <a:srgbClr val="333333"/>
               </a:solidFill>
@@ -5812,7 +5646,7 @@
               <a:buChar char="•"/>
             </a:pPr>
             <a:r>
-              <a:rPr lang="ru-RU" b="0" i="0" dirty="0" smtClean="0">
+              <a:rPr lang="ru-RU" b="0" i="0" dirty="0">
                 <a:ln>
                   <a:solidFill>
                     <a:schemeClr val="accent6">
@@ -5831,7 +5665,7 @@
               <a:t>Вывести все </a:t>
             </a:r>
             <a:r>
-              <a:rPr lang="ru-RU" b="1" i="0" u="sng" dirty="0" smtClean="0">
+              <a:rPr lang="ru-RU" b="1" i="0" u="sng" dirty="0">
                 <a:ln>
                   <a:solidFill>
                     <a:schemeClr val="accent6">
@@ -5850,7 +5684,7 @@
               <a:t>простые</a:t>
             </a:r>
             <a:r>
-              <a:rPr lang="ru-RU" b="0" i="0" dirty="0" smtClean="0">
+              <a:rPr lang="ru-RU" b="0" i="0" dirty="0">
                 <a:ln>
                   <a:solidFill>
                     <a:schemeClr val="accent6">
@@ -5887,7 +5721,7 @@
               <a:t>3</a:t>
             </a:r>
             <a:r>
-              <a:rPr lang="ru-RU" b="0" i="0" dirty="0" smtClean="0">
+              <a:rPr lang="ru-RU" b="0" i="0" dirty="0">
                 <a:ln>
                   <a:solidFill>
                     <a:schemeClr val="accent6">
@@ -5903,10 +5737,10 @@
                 <a:effectLst/>
                 <a:latin typeface="Arial" panose="020B0604020202020204" pitchFamily="34" charset="0"/>
               </a:rPr>
-              <a:t> </a:t>
-            </a:r>
-            <a:r>
-              <a:rPr lang="ru-RU" b="0" i="0" dirty="0" smtClean="0">
+              <a:t> до </a:t>
+            </a:r>
+            <a:r>
+              <a:rPr lang="ru-RU" b="1" i="0" dirty="0">
                 <a:ln>
                   <a:solidFill>
                     <a:schemeClr val="accent6">
@@ -5922,10 +5756,10 @@
                 <a:effectLst/>
                 <a:latin typeface="Arial" panose="020B0604020202020204" pitchFamily="34" charset="0"/>
               </a:rPr>
-              <a:t>до </a:t>
-            </a:r>
-            <a:r>
-              <a:rPr lang="ru-RU" b="1" i="0" dirty="0" smtClean="0">
+              <a:t>1000</a:t>
+            </a:r>
+            <a:r>
+              <a:rPr lang="en-US" dirty="0">
                 <a:ln>
                   <a:solidFill>
                     <a:schemeClr val="accent6">
@@ -5938,13 +5772,12 @@
                     <a:lumMod val="75000"/>
                   </a:schemeClr>
                 </a:solidFill>
-                <a:effectLst/>
                 <a:latin typeface="Arial" panose="020B0604020202020204" pitchFamily="34" charset="0"/>
               </a:rPr>
-              <a:t>1000</a:t>
-            </a:r>
-            <a:r>
-              <a:rPr lang="en-US" dirty="0" smtClean="0">
+              <a:t>, </a:t>
+            </a:r>
+            <a:r>
+              <a:rPr lang="ru-RU" dirty="0">
                 <a:ln>
                   <a:solidFill>
                     <a:schemeClr val="accent6">
@@ -5959,10 +5792,10 @@
                 </a:solidFill>
                 <a:latin typeface="Arial" panose="020B0604020202020204" pitchFamily="34" charset="0"/>
               </a:rPr>
-              <a:t>, </a:t>
-            </a:r>
-            <a:r>
-              <a:rPr lang="ru-RU" dirty="0" smtClean="0">
+              <a:t>включительно,</a:t>
+            </a:r>
+            <a:r>
+              <a:rPr lang="ru-RU" b="0" i="0" dirty="0">
                 <a:ln>
                   <a:solidFill>
                     <a:schemeClr val="accent6">
@@ -5975,12 +5808,13 @@
                     <a:lumMod val="75000"/>
                   </a:schemeClr>
                 </a:solidFill>
+                <a:effectLst/>
                 <a:latin typeface="Arial" panose="020B0604020202020204" pitchFamily="34" charset="0"/>
               </a:rPr>
-              <a:t>включительно,</a:t>
-            </a:r>
-            <a:r>
-              <a:rPr lang="ru-RU" b="0" i="0" dirty="0" smtClean="0">
+              <a:t> (это задача на цикл </a:t>
+            </a:r>
+            <a:r>
+              <a:rPr lang="en-US" b="1" i="0" dirty="0">
                 <a:ln>
                   <a:solidFill>
                     <a:schemeClr val="accent6">
@@ -5996,10 +5830,10 @@
                 <a:effectLst/>
                 <a:latin typeface="Arial" panose="020B0604020202020204" pitchFamily="34" charset="0"/>
               </a:rPr>
-              <a:t> (это задача на цикл </a:t>
-            </a:r>
-            <a:r>
-              <a:rPr lang="en-US" b="1" i="0" dirty="0" smtClean="0">
+              <a:t>for</a:t>
+            </a:r>
+            <a:r>
+              <a:rPr lang="ru-RU" b="0" i="0" dirty="0">
                 <a:ln>
                   <a:solidFill>
                     <a:schemeClr val="accent6">
@@ -6015,10 +5849,10 @@
                 <a:effectLst/>
                 <a:latin typeface="Arial" panose="020B0604020202020204" pitchFamily="34" charset="0"/>
               </a:rPr>
-              <a:t>for</a:t>
-            </a:r>
-            <a:r>
-              <a:rPr lang="ru-RU" b="0" i="0" dirty="0" smtClean="0">
+              <a:t> в цикле</a:t>
+            </a:r>
+            <a:r>
+              <a:rPr lang="en-US" b="0" i="0" dirty="0">
                 <a:ln>
                   <a:solidFill>
                     <a:schemeClr val="accent6">
@@ -6034,10 +5868,10 @@
                 <a:effectLst/>
                 <a:latin typeface="Arial" panose="020B0604020202020204" pitchFamily="34" charset="0"/>
               </a:rPr>
-              <a:t> в цикле</a:t>
-            </a:r>
-            <a:r>
-              <a:rPr lang="en-US" b="0" i="0" dirty="0" smtClean="0">
+              <a:t> </a:t>
+            </a:r>
+            <a:r>
+              <a:rPr lang="en-US" b="1" i="0" dirty="0">
                 <a:ln>
                   <a:solidFill>
                     <a:schemeClr val="accent6">
@@ -6053,10 +5887,10 @@
                 <a:effectLst/>
                 <a:latin typeface="Arial" panose="020B0604020202020204" pitchFamily="34" charset="0"/>
               </a:rPr>
-              <a:t> </a:t>
-            </a:r>
-            <a:r>
-              <a:rPr lang="en-US" b="1" i="0" dirty="0" smtClean="0">
+              <a:t>for</a:t>
+            </a:r>
+            <a:r>
+              <a:rPr lang="ru-RU" b="0" i="0" dirty="0">
                 <a:ln>
                   <a:solidFill>
                     <a:schemeClr val="accent6">
@@ -6072,10 +5906,10 @@
                 <a:effectLst/>
                 <a:latin typeface="Arial" panose="020B0604020202020204" pitchFamily="34" charset="0"/>
               </a:rPr>
-              <a:t>for</a:t>
-            </a:r>
-            <a:r>
-              <a:rPr lang="ru-RU" b="0" i="0" dirty="0" smtClean="0">
+              <a:t>, задача сложная, её залить на </a:t>
+            </a:r>
+            <a:r>
+              <a:rPr lang="en-US" b="1" i="0" dirty="0">
                 <a:ln>
                   <a:solidFill>
                     <a:schemeClr val="accent6">
@@ -6091,10 +5925,10 @@
                 <a:effectLst/>
                 <a:latin typeface="Arial" panose="020B0604020202020204" pitchFamily="34" charset="0"/>
               </a:rPr>
-              <a:t>, задача сложная, её залить на </a:t>
-            </a:r>
-            <a:r>
-              <a:rPr lang="en-US" b="1" i="0" dirty="0" smtClean="0">
+              <a:t>GitHub</a:t>
+            </a:r>
+            <a:r>
+              <a:rPr lang="ru-RU" b="0" i="0" dirty="0">
                 <a:ln>
                   <a:solidFill>
                     <a:schemeClr val="accent6">
@@ -6110,43 +5944,8 @@
                 <a:effectLst/>
                 <a:latin typeface="Arial" panose="020B0604020202020204" pitchFamily="34" charset="0"/>
               </a:rPr>
-              <a:t>GitHub</a:t>
-            </a:r>
-            <a:r>
-              <a:rPr lang="ru-RU" b="0" i="0" dirty="0" smtClean="0">
-                <a:ln>
-                  <a:solidFill>
-                    <a:schemeClr val="accent6">
-                      <a:lumMod val="75000"/>
-                    </a:schemeClr>
-                  </a:solidFill>
-                </a:ln>
-                <a:solidFill>
-                  <a:schemeClr val="accent6">
-                    <a:lumMod val="75000"/>
-                  </a:schemeClr>
-                </a:solidFill>
-                <a:effectLst/>
-                <a:latin typeface="Arial" panose="020B0604020202020204" pitchFamily="34" charset="0"/>
-              </a:rPr>
               <a:t>).</a:t>
             </a:r>
-            <a:endParaRPr lang="ru-RU" b="0" i="0" dirty="0">
-              <a:ln>
-                <a:solidFill>
-                  <a:schemeClr val="accent6">
-                    <a:lumMod val="75000"/>
-                  </a:schemeClr>
-                </a:solidFill>
-              </a:ln>
-              <a:solidFill>
-                <a:schemeClr val="accent6">
-                  <a:lumMod val="75000"/>
-                </a:schemeClr>
-              </a:solidFill>
-              <a:effectLst/>
-              <a:latin typeface="Arial" panose="020B0604020202020204" pitchFamily="34" charset="0"/>
-            </a:endParaRPr>
           </a:p>
         </p:txBody>
       </p:sp>
@@ -6160,13 +5959,6 @@
   <p:clrMapOvr>
     <a:masterClrMapping/>
   </p:clrMapOvr>
-  <p:timing>
-    <p:tnLst>
-      <p:par>
-        <p:cTn id="1" dur="indefinite" restart="never" nodeType="tmRoot"/>
-      </p:par>
-    </p:tnLst>
-  </p:timing>
 </p:sld>
 </file>
 
@@ -6253,13 +6045,6 @@
   <p:clrMapOvr>
     <a:masterClrMapping/>
   </p:clrMapOvr>
-  <p:timing>
-    <p:tnLst>
-      <p:par>
-        <p:cTn id="1" dur="indefinite" restart="never" nodeType="tmRoot"/>
-      </p:par>
-    </p:tnLst>
-  </p:timing>
 </p:sld>
 </file>
 
@@ -6322,18 +6107,18 @@
           <a:p>
             <a:pPr algn="ctr"/>
             <a:r>
-              <a:rPr lang="en-US" sz="6000" b="1" dirty="0" smtClean="0"/>
+              <a:rPr lang="en-US" sz="6000" b="1" dirty="0"/>
               <a:t>1. </a:t>
             </a:r>
             <a:r>
-              <a:rPr lang="ru-RU" sz="6000" b="1" dirty="0" smtClean="0"/>
+              <a:rPr lang="ru-RU" sz="6000" b="1" dirty="0"/>
               <a:t>Циклы – повторение </a:t>
             </a:r>
             <a:br>
-              <a:rPr lang="ru-RU" sz="6000" b="1" dirty="0" smtClean="0"/>
+              <a:rPr lang="ru-RU" sz="6000" b="1" dirty="0"/>
             </a:br>
             <a:r>
-              <a:rPr lang="ru-RU" sz="6000" b="1" dirty="0" smtClean="0"/>
+              <a:rPr lang="ru-RU" sz="6000" b="1" dirty="0"/>
               <a:t>фрагмента кода</a:t>
             </a:r>
             <a:endParaRPr lang="uk-UA" sz="6000" b="1" dirty="0"/>
@@ -6350,13 +6135,6 @@
   <p:clrMapOvr>
     <a:masterClrMapping/>
   </p:clrMapOvr>
-  <p:timing>
-    <p:tnLst>
-      <p:par>
-        <p:cTn id="1" dur="indefinite" restart="never" nodeType="tmRoot"/>
-      </p:par>
-    </p:tnLst>
-  </p:timing>
 </p:sld>
 </file>
 
@@ -6487,18 +6265,10 @@
                   <a:srgbClr val="00B050"/>
                 </a:solidFill>
               </a:rPr>
-              <a:t>посмотрите небольшой ролик </a:t>
-            </a:r>
-            <a:r>
-              <a:rPr lang="ru-RU" sz="2400" b="1" dirty="0" smtClean="0">
-                <a:solidFill>
-                  <a:srgbClr val="00B050"/>
-                </a:solidFill>
-              </a:rPr>
-              <a:t>о</a:t>
-            </a:r>
-            <a:r>
-              <a:rPr lang="en-US" sz="2400" b="1" dirty="0" smtClean="0">
+              <a:t>посмотрите небольшой ролик о</a:t>
+            </a:r>
+            <a:r>
+              <a:rPr lang="en-US" sz="2400" b="1" dirty="0">
                 <a:solidFill>
                   <a:srgbClr val="00B050"/>
                 </a:solidFill>
@@ -6506,7 +6276,7 @@
               <a:t> </a:t>
             </a:r>
             <a:r>
-              <a:rPr lang="ru-RU" sz="2400" b="1" dirty="0" smtClean="0">
+              <a:rPr lang="ru-RU" sz="2400" b="1" dirty="0">
                 <a:solidFill>
                   <a:srgbClr val="00B050"/>
                 </a:solidFill>
@@ -6546,15 +6316,9 @@
               <a:rPr lang="en-US" sz="2400" b="1" dirty="0">
                 <a:hlinkClick r:id="rId2"/>
               </a:rPr>
-              <a:t>https://</a:t>
-            </a:r>
-            <a:r>
-              <a:rPr lang="en-US" sz="2400" b="1" dirty="0" smtClean="0">
-                <a:hlinkClick r:id="rId2"/>
-              </a:rPr>
-              <a:t>youtu.be/cTeBlVn_lyk</a:t>
-            </a:r>
-            <a:endParaRPr lang="uk-UA" sz="2400" b="1" dirty="0" smtClean="0"/>
+              <a:t>https://youtu.be/cTeBlVn_lyk</a:t>
+            </a:r>
+            <a:endParaRPr lang="uk-UA" sz="2400" b="1" dirty="0"/>
           </a:p>
         </p:txBody>
       </p:sp>
@@ -6622,11 +6386,11 @@
           <a:p>
             <a:pPr algn="ctr"/>
             <a:r>
-              <a:rPr lang="ru-RU" sz="3300" b="1" dirty="0" smtClean="0"/>
+              <a:rPr lang="ru-RU" sz="3300" b="1" dirty="0"/>
               <a:t>Следующая тема: циклы и </a:t>
             </a:r>
             <a:r>
-              <a:rPr lang="ru-RU" sz="3300" b="1" dirty="0" smtClean="0">
+              <a:rPr lang="ru-RU" sz="3300" b="1" dirty="0">
                 <a:solidFill>
                   <a:srgbClr val="00B0F0"/>
                 </a:solidFill>
@@ -6651,13 +6415,6 @@
   <p:clrMapOvr>
     <a:masterClrMapping/>
   </p:clrMapOvr>
-  <p:timing>
-    <p:tnLst>
-      <p:par>
-        <p:cTn id="1" dur="indefinite" restart="never" nodeType="tmRoot"/>
-      </p:par>
-    </p:tnLst>
-  </p:timing>
 </p:sld>
 </file>
 
@@ -6772,11 +6529,11 @@
           <a:p>
             <a:pPr algn="ctr"/>
             <a:r>
-              <a:rPr lang="ru-RU" sz="4400" b="1" dirty="0" smtClean="0"/>
+              <a:rPr lang="ru-RU" sz="4400" b="1" dirty="0"/>
               <a:t>Циклы в </a:t>
             </a:r>
             <a:r>
-              <a:rPr lang="en-US" sz="4400" b="1" dirty="0" smtClean="0"/>
+              <a:rPr lang="en-US" sz="4400" b="1" dirty="0"/>
               <a:t>JavaScript</a:t>
             </a:r>
             <a:endParaRPr lang="ru-RU" sz="4400" b="1" dirty="0"/>
@@ -6806,62 +6563,61 @@
           <a:lstStyle/>
           <a:p>
             <a:r>
-              <a:rPr lang="ru-RU" sz="2800" b="1" dirty="0" smtClean="0"/>
+              <a:rPr lang="ru-RU" sz="2800" b="1" dirty="0"/>
               <a:t>Циклы</a:t>
             </a:r>
             <a:r>
-              <a:rPr lang="ru-RU" sz="2800" dirty="0" smtClean="0"/>
+              <a:rPr lang="ru-RU" sz="2800" dirty="0"/>
               <a:t>, в языках программирования, - способ </a:t>
             </a:r>
             <a:r>
-              <a:rPr lang="ru-RU" sz="2800" b="1" dirty="0" smtClean="0"/>
+              <a:rPr lang="ru-RU" sz="2800" b="1" dirty="0"/>
               <a:t>повторения фрагмента </a:t>
             </a:r>
             <a:r>
-              <a:rPr lang="ru-RU" sz="2800" dirty="0" smtClean="0"/>
+              <a:rPr lang="ru-RU" sz="2800" dirty="0"/>
               <a:t>(блока) </a:t>
             </a:r>
             <a:r>
-              <a:rPr lang="ru-RU" sz="2800" b="1" dirty="0" smtClean="0"/>
+              <a:rPr lang="ru-RU" sz="2800" b="1" dirty="0"/>
               <a:t>кода</a:t>
             </a:r>
             <a:r>
-              <a:rPr lang="ru-RU" sz="2800" dirty="0" smtClean="0"/>
+              <a:rPr lang="ru-RU" sz="2800" dirty="0"/>
               <a:t> многократно. Количество повторений определяется </a:t>
             </a:r>
             <a:r>
-              <a:rPr lang="ru-RU" sz="2800" b="1" dirty="0" smtClean="0"/>
+              <a:rPr lang="ru-RU" sz="2800" b="1" dirty="0"/>
               <a:t>условием цикла</a:t>
             </a:r>
             <a:r>
-              <a:rPr lang="ru-RU" sz="2800" dirty="0" smtClean="0"/>
+              <a:rPr lang="ru-RU" sz="2800" dirty="0"/>
               <a:t>, в зависимости от условия цикл либо делает еще одну </a:t>
             </a:r>
             <a:r>
-              <a:rPr lang="ru-RU" sz="2800" b="1" dirty="0" smtClean="0"/>
+              <a:rPr lang="ru-RU" sz="2800" b="1" dirty="0"/>
               <a:t>итерацию</a:t>
             </a:r>
             <a:r>
-              <a:rPr lang="ru-RU" sz="2800" dirty="0" smtClean="0"/>
+              <a:rPr lang="ru-RU" sz="2800" dirty="0"/>
               <a:t> (повторяет фрагмент кода в теле цикла), или же </a:t>
             </a:r>
             <a:r>
-              <a:rPr lang="ru-RU" sz="2800" b="1" dirty="0" smtClean="0"/>
+              <a:rPr lang="ru-RU" sz="2800" b="1" dirty="0"/>
               <a:t>цикл завершает </a:t>
             </a:r>
             <a:r>
-              <a:rPr lang="ru-RU" sz="2800" dirty="0" smtClean="0"/>
+              <a:rPr lang="ru-RU" sz="2800" dirty="0"/>
               <a:t>свою </a:t>
             </a:r>
             <a:r>
-              <a:rPr lang="ru-RU" sz="2800" b="1" dirty="0" smtClean="0"/>
+              <a:rPr lang="ru-RU" sz="2800" b="1" dirty="0"/>
               <a:t>работу</a:t>
             </a:r>
             <a:r>
-              <a:rPr lang="ru-RU" sz="2800" dirty="0" smtClean="0"/>
+              <a:rPr lang="ru-RU" sz="2800" dirty="0"/>
               <a:t>.</a:t>
             </a:r>
-            <a:endParaRPr lang="ru-RU" sz="2800" dirty="0"/>
           </a:p>
         </p:txBody>
       </p:sp>
@@ -6870,13 +6626,6 @@
   <p:clrMapOvr>
     <a:masterClrMapping/>
   </p:clrMapOvr>
-  <p:timing>
-    <p:tnLst>
-      <p:par>
-        <p:cTn id="1" dur="indefinite" restart="never" nodeType="tmRoot"/>
-      </p:par>
-    </p:tnLst>
-  </p:timing>
 </p:sld>
 </file>
 
@@ -6939,11 +6688,11 @@
           <a:p>
             <a:pPr algn="ctr"/>
             <a:r>
-              <a:rPr lang="ru-RU" sz="6000" b="1" dirty="0" smtClean="0"/>
+              <a:rPr lang="ru-RU" sz="6000" b="1" dirty="0"/>
               <a:t>2. Цикл </a:t>
             </a:r>
             <a:r>
-              <a:rPr lang="en-US" sz="6000" b="1" dirty="0" smtClean="0">
+              <a:rPr lang="en-US" sz="6000" b="1" dirty="0">
                 <a:solidFill>
                   <a:srgbClr val="FFFF00"/>
                 </a:solidFill>
@@ -6968,13 +6717,6 @@
   <p:clrMapOvr>
     <a:masterClrMapping/>
   </p:clrMapOvr>
-  <p:timing>
-    <p:tnLst>
-      <p:par>
-        <p:cTn id="1" dur="indefinite" restart="never" nodeType="tmRoot"/>
-      </p:par>
-    </p:tnLst>
-  </p:timing>
 </p:sld>
 </file>
 
@@ -7092,20 +6834,12 @@
               <a:rPr lang="ru-RU" sz="2800" b="1" dirty="0"/>
               <a:t>Если какие-либо действия нужно повторять, </a:t>
             </a:r>
-            <a:r>
-              <a:rPr lang="en-US" sz="2800" b="1" dirty="0" smtClean="0"/>
-              <a:t/>
-            </a:r>
             <a:br>
-              <a:rPr lang="en-US" sz="2800" b="1" dirty="0" smtClean="0"/>
+              <a:rPr lang="en-US" sz="2800" b="1" dirty="0"/>
             </a:br>
             <a:r>
-              <a:rPr lang="ru-RU" sz="2800" b="1" dirty="0" smtClean="0"/>
-              <a:t>но </a:t>
-            </a:r>
-            <a:r>
               <a:rPr lang="ru-RU" sz="2800" b="1" dirty="0"/>
-              <a:t>заранее неизвестно сколько раз</a:t>
+              <a:t>но заранее неизвестно сколько раз</a:t>
             </a:r>
           </a:p>
         </p:txBody>
@@ -7137,19 +6871,15 @@
               <a:t>Если </a:t>
             </a:r>
             <a:r>
-              <a:rPr lang="ru-RU" sz="2400" b="1" dirty="0" smtClean="0"/>
+              <a:rPr lang="ru-RU" sz="2400" b="1" dirty="0"/>
               <a:t>код</a:t>
             </a:r>
             <a:r>
-              <a:rPr lang="ru-RU" sz="2400" dirty="0" smtClean="0"/>
-              <a:t> </a:t>
-            </a:r>
-            <a:r>
               <a:rPr lang="ru-RU" sz="2400" dirty="0"/>
-              <a:t>не подходит, то нужно повторно запросить его у пользователя, и так повторять до тех пор пока не будет введён правильный </a:t>
-            </a:r>
-            <a:r>
-              <a:rPr lang="ru-RU" sz="2400" b="1" dirty="0" smtClean="0"/>
+              <a:t> не подходит, то нужно повторно запросить его у пользователя, и так повторять до тех пор пока не будет введён правильный </a:t>
+            </a:r>
+            <a:r>
+              <a:rPr lang="ru-RU" sz="2400" b="1" dirty="0"/>
               <a:t>код</a:t>
             </a:r>
             <a:r>
@@ -7169,10 +6899,9 @@
               <a:t>4321</a:t>
             </a:r>
             <a:r>
-              <a:rPr lang="ru-RU" sz="2400" i="1" dirty="0" smtClean="0"/>
+              <a:rPr lang="ru-RU" sz="2400" i="1" dirty="0"/>
               <a:t>»).</a:t>
             </a:r>
-            <a:endParaRPr lang="ru-RU" sz="2400" i="1" dirty="0"/>
           </a:p>
         </p:txBody>
       </p:sp>
@@ -7233,34 +6962,25 @@
           <a:lstStyle/>
           <a:p>
             <a:r>
-              <a:rPr lang="ru-RU" sz="2400" dirty="0" smtClean="0"/>
+              <a:rPr lang="ru-RU" sz="2400" dirty="0"/>
               <a:t>Цикл </a:t>
             </a:r>
             <a:r>
-              <a:rPr lang="en-US" sz="2400" b="1" dirty="0" smtClean="0"/>
-              <a:t>do/</a:t>
-            </a:r>
-            <a:r>
               <a:rPr lang="en-US" sz="2400" b="1" dirty="0"/>
-              <a:t>w</a:t>
-            </a:r>
-            <a:r>
-              <a:rPr lang="en-US" sz="2400" b="1" dirty="0" smtClean="0"/>
-              <a:t>hile() </a:t>
-            </a:r>
-            <a:r>
-              <a:rPr lang="ru-RU" sz="2400" dirty="0" smtClean="0"/>
+              <a:t>do/while() </a:t>
+            </a:r>
+            <a:r>
+              <a:rPr lang="ru-RU" sz="2400" dirty="0"/>
               <a:t>позволяет повторят код, по условию. Условие проверяется при завершении каждой </a:t>
             </a:r>
             <a:r>
-              <a:rPr lang="ru-RU" sz="2400" b="1" dirty="0" smtClean="0"/>
+              <a:rPr lang="ru-RU" sz="2400" b="1" dirty="0"/>
               <a:t>итерации</a:t>
             </a:r>
             <a:r>
-              <a:rPr lang="ru-RU" sz="2400" dirty="0" smtClean="0"/>
+              <a:rPr lang="ru-RU" sz="2400" dirty="0"/>
               <a:t> (шага) цикла, и определяет будет ли цикл заходить на еще один «круг».</a:t>
             </a:r>
-            <a:endParaRPr lang="ru-RU" sz="2400" dirty="0"/>
           </a:p>
         </p:txBody>
       </p:sp>
@@ -7274,13 +6994,6 @@
   <p:clrMapOvr>
     <a:masterClrMapping/>
   </p:clrMapOvr>
-  <p:timing>
-    <p:tnLst>
-      <p:par>
-        <p:cTn id="1" dur="indefinite" restart="never" nodeType="tmRoot"/>
-      </p:par>
-    </p:tnLst>
-  </p:timing>
 </p:sld>
 </file>
 
@@ -7343,11 +7056,11 @@
           <a:p>
             <a:pPr algn="ctr"/>
             <a:r>
-              <a:rPr lang="ru-RU" sz="6000" b="1" dirty="0" smtClean="0"/>
+              <a:rPr lang="ru-RU" sz="6000" b="1" dirty="0"/>
               <a:t>2. Цикл </a:t>
             </a:r>
             <a:r>
-              <a:rPr lang="en-US" sz="6000" b="1" dirty="0" smtClean="0">
+              <a:rPr lang="en-US" sz="6000" b="1" dirty="0">
                 <a:solidFill>
                   <a:srgbClr val="92D050"/>
                 </a:solidFill>
@@ -7372,13 +7085,6 @@
   <p:clrMapOvr>
     <a:masterClrMapping/>
   </p:clrMapOvr>
-  <p:timing>
-    <p:tnLst>
-      <p:par>
-        <p:cTn id="1" dur="indefinite" restart="never" nodeType="tmRoot"/>
-      </p:par>
-    </p:tnLst>
-  </p:timing>
 </p:sld>
 </file>
 
@@ -7525,24 +7231,12 @@
               <a:t>Цикл </a:t>
             </a:r>
             <a:r>
-              <a:rPr lang="en-US" sz="2000" b="1" dirty="0" smtClean="0"/>
-              <a:t>while</a:t>
-            </a:r>
-            <a:r>
               <a:rPr lang="en-US" sz="2000" b="1" dirty="0"/>
-              <a:t>() </a:t>
+              <a:t>while() </a:t>
             </a:r>
             <a:r>
               <a:rPr lang="ru-RU" sz="2000" dirty="0"/>
-              <a:t>позволяет повторят код, по условию. Условие проверяется </a:t>
-            </a:r>
-            <a:r>
-              <a:rPr lang="ru-RU" sz="2000" dirty="0" smtClean="0"/>
-              <a:t>перед началом </a:t>
-            </a:r>
-            <a:r>
-              <a:rPr lang="ru-RU" sz="2000" dirty="0"/>
-              <a:t>каждой </a:t>
+              <a:t>позволяет повторят код, по условию. Условие проверяется перед началом каждой </a:t>
             </a:r>
             <a:r>
               <a:rPr lang="ru-RU" sz="2000" b="1" dirty="0"/>
@@ -7550,38 +7244,30 @@
             </a:r>
             <a:r>
               <a:rPr lang="ru-RU" sz="2000" dirty="0"/>
-              <a:t> (шага) цикла, и определяет будет ли цикл </a:t>
-            </a:r>
-            <a:r>
-              <a:rPr lang="ru-RU" sz="2000" dirty="0" smtClean="0"/>
-              <a:t>заходить на этот «круг». </a:t>
+              <a:t> (шага) цикла, и определяет будет ли цикл заходить на этот «круг». Цикл </a:t>
+            </a:r>
+            <a:r>
+              <a:rPr lang="en-US" sz="2000" b="1" dirty="0"/>
+              <a:t>while</a:t>
+            </a:r>
+            <a:r>
+              <a:rPr lang="ru-RU" sz="2000" b="1" dirty="0"/>
+              <a:t> </a:t>
             </a:r>
             <a:r>
               <a:rPr lang="ru-RU" sz="2000" dirty="0"/>
-              <a:t>Цикл </a:t>
-            </a:r>
-            <a:r>
-              <a:rPr lang="en-US" sz="2000" b="1" dirty="0" smtClean="0"/>
-              <a:t>while</a:t>
-            </a:r>
-            <a:r>
-              <a:rPr lang="ru-RU" sz="2000" b="1" dirty="0" smtClean="0"/>
-              <a:t> </a:t>
-            </a:r>
-            <a:r>
-              <a:rPr lang="ru-RU" sz="2000" dirty="0" smtClean="0"/>
               <a:t>(как и </a:t>
             </a:r>
             <a:r>
-              <a:rPr lang="en-US" sz="2000" b="1" dirty="0" smtClean="0"/>
+              <a:rPr lang="en-US" sz="2000" b="1" dirty="0"/>
               <a:t>do/while</a:t>
             </a:r>
             <a:r>
-              <a:rPr lang="ru-RU" sz="2000" dirty="0" smtClean="0"/>
+              <a:rPr lang="ru-RU" sz="2000" dirty="0"/>
               <a:t>)</a:t>
             </a:r>
             <a:r>
-              <a:rPr lang="en-US" sz="2000" b="1" dirty="0" smtClean="0"/>
+              <a:rPr lang="en-US" sz="2000" b="1" dirty="0"/>
               <a:t> </a:t>
             </a:r>
             <a:r>
@@ -7597,56 +7283,55 @@
               <a:t>)</a:t>
             </a:r>
             <a:r>
-              <a:rPr lang="en-US" sz="2000" dirty="0" smtClean="0"/>
+              <a:rPr lang="en-US" sz="2000" dirty="0"/>
               <a:t>.</a:t>
             </a:r>
-            <a:endParaRPr lang="ru-RU" sz="2000" dirty="0" smtClean="0"/>
-          </a:p>
-          <a:p>
             <a:endParaRPr lang="ru-RU" sz="2000" dirty="0"/>
           </a:p>
           <a:p>
-            <a:r>
-              <a:rPr lang="ru-RU" sz="2000" dirty="0" smtClean="0"/>
+            <a:endParaRPr lang="ru-RU" sz="2000" dirty="0"/>
+          </a:p>
+          <a:p>
+            <a:r>
+              <a:rPr lang="ru-RU" sz="2000" dirty="0"/>
               <a:t>Основное отличие </a:t>
             </a:r>
             <a:r>
-              <a:rPr lang="en-US" sz="2000" b="1" dirty="0" smtClean="0"/>
+              <a:rPr lang="en-US" sz="2000" b="1" dirty="0"/>
               <a:t>while</a:t>
             </a:r>
             <a:r>
-              <a:rPr lang="en-US" sz="2000" dirty="0" smtClean="0"/>
+              <a:rPr lang="en-US" sz="2000" dirty="0"/>
               <a:t> </a:t>
             </a:r>
             <a:r>
-              <a:rPr lang="ru-RU" sz="2000" dirty="0" smtClean="0"/>
+              <a:rPr lang="ru-RU" sz="2000" dirty="0"/>
               <a:t>и </a:t>
             </a:r>
             <a:r>
-              <a:rPr lang="en-US" sz="2000" b="1" dirty="0" smtClean="0"/>
+              <a:rPr lang="en-US" sz="2000" b="1" dirty="0"/>
               <a:t>do/while</a:t>
             </a:r>
             <a:r>
-              <a:rPr lang="ru-RU" sz="2000" dirty="0" smtClean="0"/>
+              <a:rPr lang="ru-RU" sz="2000" dirty="0"/>
               <a:t>: первый подходит для задач где может не выполниться ни одного «прогона» цикла, а второй – для задач где минимум один </a:t>
             </a:r>
             <a:r>
-              <a:rPr lang="ru-RU" sz="2000" b="1" dirty="0" smtClean="0"/>
+              <a:rPr lang="ru-RU" sz="2000" b="1" dirty="0"/>
               <a:t>шаг</a:t>
             </a:r>
             <a:r>
-              <a:rPr lang="ru-RU" sz="2000" dirty="0" smtClean="0"/>
+              <a:rPr lang="ru-RU" sz="2000" dirty="0"/>
               <a:t> (</a:t>
             </a:r>
             <a:r>
-              <a:rPr lang="ru-RU" sz="2000" b="1" dirty="0" smtClean="0"/>
+              <a:rPr lang="ru-RU" sz="2000" b="1" dirty="0"/>
               <a:t>итерация</a:t>
             </a:r>
             <a:r>
-              <a:rPr lang="ru-RU" sz="2000" dirty="0" smtClean="0"/>
+              <a:rPr lang="ru-RU" sz="2000" dirty="0"/>
               <a:t>) цикла должна выполниться. </a:t>
             </a:r>
-            <a:endParaRPr lang="ru-RU" sz="2000" dirty="0"/>
           </a:p>
         </p:txBody>
       </p:sp>
@@ -7689,13 +7374,6 @@
   <p:clrMapOvr>
     <a:masterClrMapping/>
   </p:clrMapOvr>
-  <p:timing>
-    <p:tnLst>
-      <p:par>
-        <p:cTn id="1" dur="indefinite" restart="never" nodeType="tmRoot"/>
-      </p:par>
-    </p:tnLst>
-  </p:timing>
 </p:sld>
 </file>
 
@@ -7794,8 +7472,8 @@
         </p:nvSpPr>
         <p:spPr>
           <a:xfrm>
-            <a:off x="0" y="632882"/>
-            <a:ext cx="12192000" cy="707886"/>
+            <a:off x="0" y="910461"/>
+            <a:ext cx="12192000" cy="646331"/>
           </a:xfrm>
           <a:prstGeom prst="rect">
             <a:avLst/>
@@ -7810,14 +7488,14 @@
           <a:p>
             <a:pPr algn="ctr"/>
             <a:r>
-              <a:rPr lang="ru-RU" sz="4000" b="1" dirty="0" smtClean="0"/>
+              <a:rPr lang="ru-RU" sz="3600" b="1" dirty="0"/>
               <a:t>Ключевой момент применения циклов в </a:t>
             </a:r>
             <a:r>
-              <a:rPr lang="en-US" sz="4000" b="1" dirty="0" smtClean="0"/>
+              <a:rPr lang="en-US" sz="3600" b="1" dirty="0"/>
               <a:t>JavaScript</a:t>
             </a:r>
-            <a:endParaRPr lang="ru-RU" sz="4000" b="1" dirty="0"/>
+            <a:endParaRPr lang="ru-RU" sz="3600" b="1" dirty="0"/>
           </a:p>
         </p:txBody>
       </p:sp>
@@ -7829,7 +7507,7 @@
         </p:nvSpPr>
         <p:spPr>
           <a:xfrm>
-            <a:off x="2243572" y="2726918"/>
+            <a:off x="2243572" y="2348880"/>
             <a:ext cx="7704856" cy="2862322"/>
           </a:xfrm>
           <a:prstGeom prst="rect">
@@ -7855,42 +7533,9 @@
           <a:p>
             <a:pPr algn="ctr"/>
             <a:r>
-              <a:rPr lang="ru-RU" sz="3600" b="1" dirty="0" smtClean="0"/>
-              <a:t>!!!</a:t>
-            </a:r>
-            <a:r>
-              <a:rPr lang="en-US" sz="3600" b="1" dirty="0" smtClean="0"/>
-              <a:t> </a:t>
-            </a:r>
-            <a:r>
-              <a:rPr lang="ru-RU" sz="3600" b="1" dirty="0" smtClean="0"/>
-              <a:t>В </a:t>
-            </a:r>
-            <a:r>
               <a:rPr lang="ru-RU" sz="3600" b="1" dirty="0"/>
-              <a:t>теле цикла должны происходить какие-либо изменения тех переменных которые </a:t>
-            </a:r>
-            <a:r>
-              <a:rPr lang="ru-RU" sz="3600" b="1" dirty="0" smtClean="0"/>
-              <a:t>находятся </a:t>
-            </a:r>
-            <a:r>
-              <a:rPr lang="ru-RU" sz="3600" b="1" dirty="0"/>
-              <a:t>в условии, иначе цикл будет выполняться </a:t>
-            </a:r>
-            <a:r>
-              <a:rPr lang="ru-RU" sz="3600" b="1" dirty="0" smtClean="0"/>
-              <a:t>вечно</a:t>
-            </a:r>
-            <a:r>
-              <a:rPr lang="en-US" sz="3600" b="1" dirty="0" smtClean="0"/>
-              <a:t> </a:t>
-            </a:r>
-            <a:r>
-              <a:rPr lang="ru-RU" sz="3600" b="1" dirty="0" smtClean="0"/>
-              <a:t>!!!</a:t>
-            </a:r>
-            <a:endParaRPr lang="ru-RU" sz="3600" b="1" dirty="0"/>
+              <a:t>В теле цикла должны происходить какие-либо изменения тех переменных которые находятся в условии, иначе цикл будет выполняться вечно</a:t>
+            </a:r>
           </a:p>
         </p:txBody>
       </p:sp>
@@ -7899,13 +7544,6 @@
   <p:clrMapOvr>
     <a:masterClrMapping/>
   </p:clrMapOvr>
-  <p:timing>
-    <p:tnLst>
-      <p:par>
-        <p:cTn id="1" dur="indefinite" restart="never" nodeType="tmRoot"/>
-      </p:par>
-    </p:tnLst>
-  </p:timing>
 </p:sld>
 </file>
 
@@ -7968,15 +7606,15 @@
           <a:p>
             <a:pPr algn="ctr"/>
             <a:r>
-              <a:rPr lang="en-US" sz="6000" b="1" dirty="0" smtClean="0"/>
+              <a:rPr lang="en-US" sz="6000" b="1" dirty="0"/>
               <a:t>3</a:t>
             </a:r>
             <a:r>
-              <a:rPr lang="ru-RU" sz="6000" b="1" dirty="0" smtClean="0"/>
+              <a:rPr lang="ru-RU" sz="6000" b="1" dirty="0"/>
               <a:t>. Цикл </a:t>
             </a:r>
             <a:r>
-              <a:rPr lang="en-US" sz="6000" b="1" dirty="0" smtClean="0">
+              <a:rPr lang="en-US" sz="6000" b="1" dirty="0">
                 <a:solidFill>
                   <a:schemeClr val="accent6">
                     <a:lumMod val="75000"/>
@@ -8005,13 +7643,6 @@
   <p:clrMapOvr>
     <a:masterClrMapping/>
   </p:clrMapOvr>
-  <p:timing>
-    <p:tnLst>
-      <p:par>
-        <p:cTn id="1" dur="indefinite" restart="never" nodeType="tmRoot"/>
-      </p:par>
-    </p:tnLst>
-  </p:timing>
 </p:sld>
 </file>
 
